--- a/侍寿司屋_α版発表資料.pptx
+++ b/侍寿司屋_α版発表資料.pptx
@@ -5,7 +5,7 @@
     <p:sldMasterId id="2147483660" r:id="rId1"/>
   </p:sldMasterIdLst>
   <p:notesMasterIdLst>
-    <p:notesMasterId r:id="rId11"/>
+    <p:notesMasterId r:id="rId9"/>
   </p:notesMasterIdLst>
   <p:sldIdLst>
     <p:sldId id="256" r:id="rId2"/>
@@ -14,9 +14,7 @@
     <p:sldId id="267" r:id="rId5"/>
     <p:sldId id="265" r:id="rId6"/>
     <p:sldId id="270" r:id="rId7"/>
-    <p:sldId id="266" r:id="rId8"/>
-    <p:sldId id="258" r:id="rId9"/>
-    <p:sldId id="261" r:id="rId10"/>
+    <p:sldId id="261" r:id="rId8"/>
   </p:sldIdLst>
   <p:sldSz cx="12192000" cy="6858000"/>
   <p:notesSz cx="6858000" cy="9144000"/>
@@ -134,8 +132,6 @@
             <p14:sldId id="267"/>
             <p14:sldId id="265"/>
             <p14:sldId id="270"/>
-            <p14:sldId id="266"/>
-            <p14:sldId id="258"/>
             <p14:sldId id="261"/>
           </p14:sldIdLst>
         </p14:section>
@@ -160,6 +156,64 @@
     </p:ext>
   </p:extLst>
 </p:presentation>
+</file>
+
+<file path=ppt/changesInfos/changesInfo1.xml><?xml version="1.0" encoding="utf-8"?>
+<pc:chgInfo xmlns:a="http://schemas.openxmlformats.org/drawingml/2006/main" xmlns:r="http://schemas.openxmlformats.org/officeDocument/2006/relationships" xmlns:ac="http://schemas.microsoft.com/office/drawing/2013/main/command" xmlns:pc="http://schemas.microsoft.com/office/powerpoint/2013/main/command">
+  <pc:docChgLst>
+    <pc:chgData name="ほまる 比企ヶ谷" userId="84d1fb0dd095542a" providerId="Windows Live" clId="Web-{36246A1B-AEEA-4E37-A727-5BE2230AACD0}"/>
+    <pc:docChg chg="delSld modSld modSection">
+      <pc:chgData name="ほまる 比企ヶ谷" userId="84d1fb0dd095542a" providerId="Windows Live" clId="Web-{36246A1B-AEEA-4E37-A727-5BE2230AACD0}" dt="2018-05-30T23:34:42.593" v="11"/>
+      <pc:docMkLst>
+        <pc:docMk/>
+      </pc:docMkLst>
+      <pc:sldChg chg="del">
+        <pc:chgData name="ほまる 比企ヶ谷" userId="84d1fb0dd095542a" providerId="Windows Live" clId="Web-{36246A1B-AEEA-4E37-A727-5BE2230AACD0}" dt="2018-05-30T23:25:11.656" v="5"/>
+        <pc:sldMkLst>
+          <pc:docMk/>
+          <pc:sldMk cId="3761124011" sldId="258"/>
+        </pc:sldMkLst>
+      </pc:sldChg>
+      <pc:sldChg chg="del">
+        <pc:chgData name="ほまる 比企ヶ谷" userId="84d1fb0dd095542a" providerId="Windows Live" clId="Web-{36246A1B-AEEA-4E37-A727-5BE2230AACD0}" dt="2018-05-30T23:25:11.671" v="6"/>
+        <pc:sldMkLst>
+          <pc:docMk/>
+          <pc:sldMk cId="527194644" sldId="266"/>
+        </pc:sldMkLst>
+      </pc:sldChg>
+      <pc:sldChg chg="modSp">
+        <pc:chgData name="ほまる 比企ヶ谷" userId="84d1fb0dd095542a" providerId="Windows Live" clId="Web-{36246A1B-AEEA-4E37-A727-5BE2230AACD0}" dt="2018-05-30T23:24:35.952" v="2" actId="20577"/>
+        <pc:sldMkLst>
+          <pc:docMk/>
+          <pc:sldMk cId="1808138019" sldId="269"/>
+        </pc:sldMkLst>
+        <pc:spChg chg="mod">
+          <ac:chgData name="ほまる 比企ヶ谷" userId="84d1fb0dd095542a" providerId="Windows Live" clId="Web-{36246A1B-AEEA-4E37-A727-5BE2230AACD0}" dt="2018-05-30T23:24:35.952" v="2" actId="20577"/>
+          <ac:spMkLst>
+            <pc:docMk/>
+            <pc:sldMk cId="1808138019" sldId="269"/>
+            <ac:spMk id="3" creationId="{00000000-0000-0000-0000-000000000000}"/>
+          </ac:spMkLst>
+        </pc:spChg>
+      </pc:sldChg>
+      <pc:sldChg chg="addSp modSp addAnim modAnim">
+        <pc:chgData name="ほまる 比企ヶ谷" userId="84d1fb0dd095542a" providerId="Windows Live" clId="Web-{36246A1B-AEEA-4E37-A727-5BE2230AACD0}" dt="2018-05-30T23:34:42.593" v="11"/>
+        <pc:sldMkLst>
+          <pc:docMk/>
+          <pc:sldMk cId="385954447" sldId="270"/>
+        </pc:sldMkLst>
+        <pc:picChg chg="add mod">
+          <ac:chgData name="ほまる 比企ヶ谷" userId="84d1fb0dd095542a" providerId="Windows Live" clId="Web-{36246A1B-AEEA-4E37-A727-5BE2230AACD0}" dt="2018-05-30T23:34:38.718" v="9" actId="1076"/>
+          <ac:picMkLst>
+            <pc:docMk/>
+            <pc:sldMk cId="385954447" sldId="270"/>
+            <ac:picMk id="10" creationId="{2563C2B7-6F4C-459B-BDE1-918C9D82F100}"/>
+          </ac:picMkLst>
+        </pc:picChg>
+      </pc:sldChg>
+    </pc:docChg>
+  </pc:docChgLst>
+</pc:chgInfo>
 </file>
 
 <file path=ppt/notesMasters/notesMaster1.xml><?xml version="1.0" encoding="utf-8"?>
@@ -244,7 +298,7 @@
           <a:p>
             <a:fld id="{6896BA61-AA4F-4A10-AC93-1A065B56C411}" type="datetimeFigureOut">
               <a:rPr kumimoji="1" lang="ja-JP" altLang="en-US" smtClean="0"/>
-              <a:t>2018/5/29</a:t>
+              <a:t>2018/5/30</a:t>
             </a:fld>
             <a:endParaRPr kumimoji="1" lang="ja-JP" altLang="en-US"/>
           </a:p>
@@ -308,70 +362,69 @@
           <a:p>
             <a:pPr lvl="0"/>
             <a:r>
-              <a:rPr kumimoji="1" lang="ja-JP" altLang="en-US" smtClean="0"/>
+              <a:rPr kumimoji="1" lang="ja-JP" altLang="en-US"/>
               <a:t>マスター テキストの書式設定</a:t>
             </a:r>
           </a:p>
           <a:p>
             <a:pPr lvl="1"/>
             <a:r>
-              <a:rPr kumimoji="1" lang="ja-JP" altLang="en-US" smtClean="0"/>
+              <a:rPr kumimoji="1" lang="ja-JP" altLang="en-US"/>
               <a:t>第 </a:t>
             </a:r>
             <a:r>
-              <a:rPr kumimoji="1" lang="en-US" altLang="ja-JP" smtClean="0"/>
+              <a:rPr kumimoji="1" lang="en-US" altLang="ja-JP"/>
               <a:t>2 </a:t>
             </a:r>
             <a:r>
-              <a:rPr kumimoji="1" lang="ja-JP" altLang="en-US" smtClean="0"/>
+              <a:rPr kumimoji="1" lang="ja-JP" altLang="en-US"/>
               <a:t>レベル</a:t>
             </a:r>
           </a:p>
           <a:p>
             <a:pPr lvl="2"/>
             <a:r>
-              <a:rPr kumimoji="1" lang="ja-JP" altLang="en-US" smtClean="0"/>
+              <a:rPr kumimoji="1" lang="ja-JP" altLang="en-US"/>
               <a:t>第 </a:t>
             </a:r>
             <a:r>
-              <a:rPr kumimoji="1" lang="en-US" altLang="ja-JP" smtClean="0"/>
+              <a:rPr kumimoji="1" lang="en-US" altLang="ja-JP"/>
               <a:t>3 </a:t>
             </a:r>
             <a:r>
-              <a:rPr kumimoji="1" lang="ja-JP" altLang="en-US" smtClean="0"/>
+              <a:rPr kumimoji="1" lang="ja-JP" altLang="en-US"/>
               <a:t>レベル</a:t>
             </a:r>
           </a:p>
           <a:p>
             <a:pPr lvl="3"/>
             <a:r>
-              <a:rPr kumimoji="1" lang="ja-JP" altLang="en-US" smtClean="0"/>
+              <a:rPr kumimoji="1" lang="ja-JP" altLang="en-US"/>
               <a:t>第 </a:t>
             </a:r>
             <a:r>
-              <a:rPr kumimoji="1" lang="en-US" altLang="ja-JP" smtClean="0"/>
+              <a:rPr kumimoji="1" lang="en-US" altLang="ja-JP"/>
               <a:t>4 </a:t>
             </a:r>
             <a:r>
-              <a:rPr kumimoji="1" lang="ja-JP" altLang="en-US" smtClean="0"/>
+              <a:rPr kumimoji="1" lang="ja-JP" altLang="en-US"/>
               <a:t>レベル</a:t>
             </a:r>
           </a:p>
           <a:p>
             <a:pPr lvl="4"/>
             <a:r>
-              <a:rPr kumimoji="1" lang="ja-JP" altLang="en-US" smtClean="0"/>
+              <a:rPr kumimoji="1" lang="ja-JP" altLang="en-US"/>
               <a:t>第 </a:t>
             </a:r>
             <a:r>
-              <a:rPr kumimoji="1" lang="en-US" altLang="ja-JP" smtClean="0"/>
+              <a:rPr kumimoji="1" lang="en-US" altLang="ja-JP"/>
               <a:t>5 </a:t>
             </a:r>
             <a:r>
-              <a:rPr kumimoji="1" lang="ja-JP" altLang="en-US" smtClean="0"/>
+              <a:rPr kumimoji="1" lang="ja-JP" altLang="en-US"/>
               <a:t>レベル</a:t>
             </a:r>
-            <a:endParaRPr kumimoji="1" lang="ja-JP" altLang="en-US"/>
           </a:p>
         </p:txBody>
       </p:sp>
@@ -589,55 +642,43 @@
           <a:lstStyle/>
           <a:p>
             <a:r>
-              <a:rPr kumimoji="1" lang="ja-JP" altLang="en-US" dirty="0" smtClean="0"/>
+              <a:rPr kumimoji="1" lang="ja-JP" altLang="en-US" dirty="0"/>
               <a:t>されど、大名がこの侍が活躍していることを知って、</a:t>
             </a:r>
-            <a:endParaRPr kumimoji="1" lang="en-US" altLang="ja-JP" dirty="0" smtClean="0"/>
-          </a:p>
-          <a:p>
-            <a:r>
-              <a:rPr kumimoji="1" lang="ja-JP" altLang="en-US" dirty="0" smtClean="0"/>
+            <a:endParaRPr kumimoji="1" lang="en-US" altLang="ja-JP" dirty="0"/>
+          </a:p>
+          <a:p>
+            <a:r>
+              <a:rPr kumimoji="1" lang="ja-JP" altLang="en-US" dirty="0"/>
               <a:t>忍者が襲ってくる</a:t>
             </a:r>
-            <a:endParaRPr kumimoji="1" lang="en-US" altLang="ja-JP" dirty="0" smtClean="0"/>
-          </a:p>
-          <a:p>
-            <a:r>
-              <a:rPr kumimoji="1" lang="ja-JP" altLang="en-US" dirty="0" smtClean="0"/>
+            <a:endParaRPr kumimoji="1" lang="en-US" altLang="ja-JP" dirty="0"/>
+          </a:p>
+          <a:p>
+            <a:r>
+              <a:rPr kumimoji="1" lang="ja-JP" altLang="en-US" dirty="0"/>
               <a:t>それに飛んだり、壁に隠れたり</a:t>
             </a:r>
-            <a:endParaRPr kumimoji="1" lang="en-US" altLang="ja-JP" dirty="0" smtClean="0"/>
-          </a:p>
-          <a:p>
-            <a:r>
-              <a:rPr lang="ja-JP" altLang="en-US" dirty="0" smtClean="0"/>
-              <a:t>いろんなところから</a:t>
-            </a:r>
+            <a:endParaRPr kumimoji="1" lang="en-US" altLang="ja-JP" dirty="0"/>
+          </a:p>
+          <a:p>
             <a:r>
               <a:rPr lang="ja-JP" altLang="en-US" dirty="0"/>
-              <a:t>攻撃</a:t>
-            </a:r>
-            <a:r>
-              <a:rPr lang="ja-JP" altLang="en-US" dirty="0" smtClean="0"/>
-              <a:t>してくるが、対処法ただ一つ</a:t>
-            </a:r>
-            <a:endParaRPr lang="en-US" altLang="ja-JP" dirty="0" smtClean="0"/>
-          </a:p>
-          <a:p>
-            <a:r>
-              <a:rPr kumimoji="1" lang="ja-JP" altLang="en-US" dirty="0" smtClean="0"/>
+              <a:t>いろんなところから攻撃してくるが、対処法ただ一つ</a:t>
+            </a:r>
+            <a:endParaRPr lang="en-US" altLang="ja-JP" dirty="0"/>
+          </a:p>
+          <a:p>
+            <a:r>
+              <a:rPr kumimoji="1" lang="ja-JP" altLang="en-US" dirty="0"/>
               <a:t>「あにめしょん」</a:t>
             </a:r>
-            <a:endParaRPr kumimoji="1" lang="en-US" altLang="ja-JP" dirty="0" smtClean="0"/>
-          </a:p>
-          <a:p>
-            <a:r>
-              <a:rPr lang="ja-JP" altLang="en-US" dirty="0" smtClean="0"/>
-              <a:t>これです</a:t>
-            </a:r>
+            <a:endParaRPr kumimoji="1" lang="en-US" altLang="ja-JP" dirty="0"/>
+          </a:p>
+          <a:p>
             <a:r>
               <a:rPr lang="ja-JP" altLang="en-US" dirty="0"/>
-              <a:t>！</a:t>
+              <a:t>これです！</a:t>
             </a:r>
             <a:endParaRPr kumimoji="1" lang="ja-JP" altLang="en-US" dirty="0"/>
           </a:p>
@@ -987,7 +1028,7 @@
           </a:lstStyle>
           <a:p>
             <a:r>
-              <a:rPr lang="ja-JP" altLang="en-US" smtClean="0"/>
+              <a:rPr lang="ja-JP" altLang="en-US"/>
               <a:t>マスター タイトルの書式設定</a:t>
             </a:r>
             <a:endParaRPr lang="en-US" dirty="0"/>
@@ -1058,7 +1099,7 @@
           </a:lstStyle>
           <a:p>
             <a:r>
-              <a:rPr lang="ja-JP" altLang="en-US" smtClean="0"/>
+              <a:rPr lang="ja-JP" altLang="en-US"/>
               <a:t>マスター サブタイトルの書式設定</a:t>
             </a:r>
             <a:endParaRPr lang="en-US" dirty="0"/>
@@ -1082,7 +1123,7 @@
           <a:p>
             <a:fld id="{EA09839B-FDFC-49F9-B956-C85EFC887E6D}" type="datetimeFigureOut">
               <a:rPr kumimoji="1" lang="ja-JP" altLang="en-US" smtClean="0"/>
-              <a:t>2018/5/29</a:t>
+              <a:t>2018/5/30</a:t>
             </a:fld>
             <a:endParaRPr kumimoji="1" lang="ja-JP" altLang="en-US"/>
           </a:p>
@@ -1253,7 +1294,7 @@
           </a:lstStyle>
           <a:p>
             <a:r>
-              <a:rPr lang="ja-JP" altLang="en-US" smtClean="0"/>
+              <a:rPr lang="ja-JP" altLang="en-US"/>
               <a:t>マスター タイトルの書式設定</a:t>
             </a:r>
             <a:endParaRPr lang="en-US" dirty="0"/>
@@ -1324,7 +1365,7 @@
           </a:lstStyle>
           <a:p>
             <a:r>
-              <a:rPr lang="ja-JP" altLang="en-US" smtClean="0"/>
+              <a:rPr lang="ja-JP" altLang="en-US"/>
               <a:t>図を追加</a:t>
             </a:r>
             <a:endParaRPr lang="en-US" dirty="0"/>
@@ -1404,7 +1445,7 @@
           <a:p>
             <a:pPr lvl="0"/>
             <a:r>
-              <a:rPr lang="ja-JP" altLang="en-US" smtClean="0"/>
+              <a:rPr lang="ja-JP" altLang="en-US"/>
               <a:t>マスター テキストの書式設定</a:t>
             </a:r>
           </a:p>
@@ -1427,7 +1468,7 @@
           <a:p>
             <a:fld id="{EA09839B-FDFC-49F9-B956-C85EFC887E6D}" type="datetimeFigureOut">
               <a:rPr kumimoji="1" lang="ja-JP" altLang="en-US" smtClean="0"/>
-              <a:t>2018/5/29</a:t>
+              <a:t>2018/5/30</a:t>
             </a:fld>
             <a:endParaRPr kumimoji="1" lang="ja-JP" altLang="en-US"/>
           </a:p>
@@ -1591,7 +1632,7 @@
           <a:lstStyle/>
           <a:p>
             <a:r>
-              <a:rPr lang="ja-JP" altLang="en-US" smtClean="0"/>
+              <a:rPr lang="ja-JP" altLang="en-US"/>
               <a:t>マスター タイトルの書式設定</a:t>
             </a:r>
             <a:endParaRPr lang="en-US" dirty="0"/>
@@ -1615,67 +1656,67 @@
           <a:p>
             <a:pPr lvl="0"/>
             <a:r>
-              <a:rPr lang="ja-JP" altLang="en-US" smtClean="0"/>
+              <a:rPr lang="ja-JP" altLang="en-US"/>
               <a:t>マスター テキストの書式設定</a:t>
             </a:r>
           </a:p>
           <a:p>
             <a:pPr lvl="1"/>
             <a:r>
-              <a:rPr lang="ja-JP" altLang="en-US" smtClean="0"/>
+              <a:rPr lang="ja-JP" altLang="en-US"/>
               <a:t>第 </a:t>
             </a:r>
             <a:r>
-              <a:rPr lang="en-US" altLang="ja-JP" smtClean="0"/>
+              <a:rPr lang="en-US" altLang="ja-JP"/>
               <a:t>2 </a:t>
             </a:r>
             <a:r>
-              <a:rPr lang="ja-JP" altLang="en-US" smtClean="0"/>
+              <a:rPr lang="ja-JP" altLang="en-US"/>
               <a:t>レベル</a:t>
             </a:r>
           </a:p>
           <a:p>
             <a:pPr lvl="2"/>
             <a:r>
-              <a:rPr lang="ja-JP" altLang="en-US" smtClean="0"/>
+              <a:rPr lang="ja-JP" altLang="en-US"/>
               <a:t>第 </a:t>
             </a:r>
             <a:r>
-              <a:rPr lang="en-US" altLang="ja-JP" smtClean="0"/>
+              <a:rPr lang="en-US" altLang="ja-JP"/>
               <a:t>3 </a:t>
             </a:r>
             <a:r>
-              <a:rPr lang="ja-JP" altLang="en-US" smtClean="0"/>
+              <a:rPr lang="ja-JP" altLang="en-US"/>
               <a:t>レベル</a:t>
             </a:r>
           </a:p>
           <a:p>
             <a:pPr lvl="3"/>
             <a:r>
-              <a:rPr lang="ja-JP" altLang="en-US" smtClean="0"/>
+              <a:rPr lang="ja-JP" altLang="en-US"/>
               <a:t>第 </a:t>
             </a:r>
             <a:r>
-              <a:rPr lang="en-US" altLang="ja-JP" smtClean="0"/>
+              <a:rPr lang="en-US" altLang="ja-JP"/>
               <a:t>4 </a:t>
             </a:r>
             <a:r>
-              <a:rPr lang="ja-JP" altLang="en-US" smtClean="0"/>
+              <a:rPr lang="ja-JP" altLang="en-US"/>
               <a:t>レベル</a:t>
             </a:r>
           </a:p>
           <a:p>
             <a:pPr lvl="4"/>
             <a:r>
-              <a:rPr lang="ja-JP" altLang="en-US" smtClean="0"/>
+              <a:rPr lang="ja-JP" altLang="en-US"/>
               <a:t>第 </a:t>
             </a:r>
             <a:r>
-              <a:rPr lang="en-US" altLang="ja-JP" smtClean="0"/>
+              <a:rPr lang="en-US" altLang="ja-JP"/>
               <a:t>5 </a:t>
             </a:r>
             <a:r>
-              <a:rPr lang="ja-JP" altLang="en-US" smtClean="0"/>
+              <a:rPr lang="ja-JP" altLang="en-US"/>
               <a:t>レベル</a:t>
             </a:r>
             <a:endParaRPr lang="en-US" dirty="0"/>
@@ -1699,7 +1740,7 @@
           <a:p>
             <a:fld id="{EA09839B-FDFC-49F9-B956-C85EFC887E6D}" type="datetimeFigureOut">
               <a:rPr kumimoji="1" lang="ja-JP" altLang="en-US" smtClean="0"/>
-              <a:t>2018/5/29</a:t>
+              <a:t>2018/5/30</a:t>
             </a:fld>
             <a:endParaRPr kumimoji="1" lang="ja-JP" altLang="en-US"/>
           </a:p>
@@ -1798,7 +1839,7 @@
           <a:lstStyle/>
           <a:p>
             <a:r>
-              <a:rPr lang="ja-JP" altLang="en-US" smtClean="0"/>
+              <a:rPr lang="ja-JP" altLang="en-US"/>
               <a:t>マスター タイトルの書式設定</a:t>
             </a:r>
             <a:endParaRPr lang="en-US" dirty="0"/>
@@ -1827,67 +1868,67 @@
           <a:p>
             <a:pPr lvl="0"/>
             <a:r>
-              <a:rPr lang="ja-JP" altLang="en-US" smtClean="0"/>
+              <a:rPr lang="ja-JP" altLang="en-US"/>
               <a:t>マスター テキストの書式設定</a:t>
             </a:r>
           </a:p>
           <a:p>
             <a:pPr lvl="1"/>
             <a:r>
-              <a:rPr lang="ja-JP" altLang="en-US" smtClean="0"/>
+              <a:rPr lang="ja-JP" altLang="en-US"/>
               <a:t>第 </a:t>
             </a:r>
             <a:r>
-              <a:rPr lang="en-US" altLang="ja-JP" smtClean="0"/>
+              <a:rPr lang="en-US" altLang="ja-JP"/>
               <a:t>2 </a:t>
             </a:r>
             <a:r>
-              <a:rPr lang="ja-JP" altLang="en-US" smtClean="0"/>
+              <a:rPr lang="ja-JP" altLang="en-US"/>
               <a:t>レベル</a:t>
             </a:r>
           </a:p>
           <a:p>
             <a:pPr lvl="2"/>
             <a:r>
-              <a:rPr lang="ja-JP" altLang="en-US" smtClean="0"/>
+              <a:rPr lang="ja-JP" altLang="en-US"/>
               <a:t>第 </a:t>
             </a:r>
             <a:r>
-              <a:rPr lang="en-US" altLang="ja-JP" smtClean="0"/>
+              <a:rPr lang="en-US" altLang="ja-JP"/>
               <a:t>3 </a:t>
             </a:r>
             <a:r>
-              <a:rPr lang="ja-JP" altLang="en-US" smtClean="0"/>
+              <a:rPr lang="ja-JP" altLang="en-US"/>
               <a:t>レベル</a:t>
             </a:r>
           </a:p>
           <a:p>
             <a:pPr lvl="3"/>
             <a:r>
-              <a:rPr lang="ja-JP" altLang="en-US" smtClean="0"/>
+              <a:rPr lang="ja-JP" altLang="en-US"/>
               <a:t>第 </a:t>
             </a:r>
             <a:r>
-              <a:rPr lang="en-US" altLang="ja-JP" smtClean="0"/>
+              <a:rPr lang="en-US" altLang="ja-JP"/>
               <a:t>4 </a:t>
             </a:r>
             <a:r>
-              <a:rPr lang="ja-JP" altLang="en-US" smtClean="0"/>
+              <a:rPr lang="ja-JP" altLang="en-US"/>
               <a:t>レベル</a:t>
             </a:r>
           </a:p>
           <a:p>
             <a:pPr lvl="4"/>
             <a:r>
-              <a:rPr lang="ja-JP" altLang="en-US" smtClean="0"/>
+              <a:rPr lang="ja-JP" altLang="en-US"/>
               <a:t>第 </a:t>
             </a:r>
             <a:r>
-              <a:rPr lang="en-US" altLang="ja-JP" smtClean="0"/>
+              <a:rPr lang="en-US" altLang="ja-JP"/>
               <a:t>5 </a:t>
             </a:r>
             <a:r>
-              <a:rPr lang="ja-JP" altLang="en-US" smtClean="0"/>
+              <a:rPr lang="ja-JP" altLang="en-US"/>
               <a:t>レベル</a:t>
             </a:r>
             <a:endParaRPr lang="en-US" dirty="0"/>
@@ -1911,7 +1952,7 @@
           <a:p>
             <a:fld id="{EA09839B-FDFC-49F9-B956-C85EFC887E6D}" type="datetimeFigureOut">
               <a:rPr kumimoji="1" lang="ja-JP" altLang="en-US" smtClean="0"/>
-              <a:t>2018/5/29</a:t>
+              <a:t>2018/5/30</a:t>
             </a:fld>
             <a:endParaRPr kumimoji="1" lang="ja-JP" altLang="en-US"/>
           </a:p>
@@ -2109,7 +2150,7 @@
           <a:lstStyle/>
           <a:p>
             <a:r>
-              <a:rPr lang="ja-JP" altLang="en-US" smtClean="0"/>
+              <a:rPr lang="ja-JP" altLang="en-US"/>
               <a:t>マスター タイトルの書式設定</a:t>
             </a:r>
             <a:endParaRPr lang="en-US" dirty="0"/>
@@ -2133,67 +2174,67 @@
           <a:p>
             <a:pPr lvl="0"/>
             <a:r>
-              <a:rPr lang="ja-JP" altLang="en-US" smtClean="0"/>
+              <a:rPr lang="ja-JP" altLang="en-US"/>
               <a:t>マスター テキストの書式設定</a:t>
             </a:r>
           </a:p>
           <a:p>
             <a:pPr lvl="1"/>
             <a:r>
-              <a:rPr lang="ja-JP" altLang="en-US" smtClean="0"/>
+              <a:rPr lang="ja-JP" altLang="en-US"/>
               <a:t>第 </a:t>
             </a:r>
             <a:r>
-              <a:rPr lang="en-US" altLang="ja-JP" smtClean="0"/>
+              <a:rPr lang="en-US" altLang="ja-JP"/>
               <a:t>2 </a:t>
             </a:r>
             <a:r>
-              <a:rPr lang="ja-JP" altLang="en-US" smtClean="0"/>
+              <a:rPr lang="ja-JP" altLang="en-US"/>
               <a:t>レベル</a:t>
             </a:r>
           </a:p>
           <a:p>
             <a:pPr lvl="2"/>
             <a:r>
-              <a:rPr lang="ja-JP" altLang="en-US" smtClean="0"/>
+              <a:rPr lang="ja-JP" altLang="en-US"/>
               <a:t>第 </a:t>
             </a:r>
             <a:r>
-              <a:rPr lang="en-US" altLang="ja-JP" smtClean="0"/>
+              <a:rPr lang="en-US" altLang="ja-JP"/>
               <a:t>3 </a:t>
             </a:r>
             <a:r>
-              <a:rPr lang="ja-JP" altLang="en-US" smtClean="0"/>
+              <a:rPr lang="ja-JP" altLang="en-US"/>
               <a:t>レベル</a:t>
             </a:r>
           </a:p>
           <a:p>
             <a:pPr lvl="3"/>
             <a:r>
-              <a:rPr lang="ja-JP" altLang="en-US" smtClean="0"/>
+              <a:rPr lang="ja-JP" altLang="en-US"/>
               <a:t>第 </a:t>
             </a:r>
             <a:r>
-              <a:rPr lang="en-US" altLang="ja-JP" smtClean="0"/>
+              <a:rPr lang="en-US" altLang="ja-JP"/>
               <a:t>4 </a:t>
             </a:r>
             <a:r>
-              <a:rPr lang="ja-JP" altLang="en-US" smtClean="0"/>
+              <a:rPr lang="ja-JP" altLang="en-US"/>
               <a:t>レベル</a:t>
             </a:r>
           </a:p>
           <a:p>
             <a:pPr lvl="4"/>
             <a:r>
-              <a:rPr lang="ja-JP" altLang="en-US" smtClean="0"/>
+              <a:rPr lang="ja-JP" altLang="en-US"/>
               <a:t>第 </a:t>
             </a:r>
             <a:r>
-              <a:rPr lang="en-US" altLang="ja-JP" smtClean="0"/>
+              <a:rPr lang="en-US" altLang="ja-JP"/>
               <a:t>5 </a:t>
             </a:r>
             <a:r>
-              <a:rPr lang="ja-JP" altLang="en-US" smtClean="0"/>
+              <a:rPr lang="ja-JP" altLang="en-US"/>
               <a:t>レベル</a:t>
             </a:r>
             <a:endParaRPr lang="en-US" dirty="0"/>
@@ -2217,7 +2258,7 @@
           <a:p>
             <a:fld id="{EA09839B-FDFC-49F9-B956-C85EFC887E6D}" type="datetimeFigureOut">
               <a:rPr kumimoji="1" lang="ja-JP" altLang="en-US" smtClean="0"/>
-              <a:t>2018/5/29</a:t>
+              <a:t>2018/5/30</a:t>
             </a:fld>
             <a:endParaRPr kumimoji="1" lang="ja-JP" altLang="en-US"/>
           </a:p>
@@ -2382,7 +2423,7 @@
           </a:lstStyle>
           <a:p>
             <a:r>
-              <a:rPr lang="ja-JP" altLang="en-US" smtClean="0"/>
+              <a:rPr lang="ja-JP" altLang="en-US"/>
               <a:t>マスター タイトルの書式設定</a:t>
             </a:r>
             <a:endParaRPr lang="en-US" dirty="0"/>
@@ -2502,7 +2543,7 @@
           <a:p>
             <a:pPr lvl="0"/>
             <a:r>
-              <a:rPr lang="ja-JP" altLang="en-US" smtClean="0"/>
+              <a:rPr lang="ja-JP" altLang="en-US"/>
               <a:t>マスター テキストの書式設定</a:t>
             </a:r>
           </a:p>
@@ -2530,7 +2571,7 @@
           <a:p>
             <a:fld id="{EA09839B-FDFC-49F9-B956-C85EFC887E6D}" type="datetimeFigureOut">
               <a:rPr kumimoji="1" lang="ja-JP" altLang="en-US" smtClean="0"/>
-              <a:t>2018/5/29</a:t>
+              <a:t>2018/5/30</a:t>
             </a:fld>
             <a:endParaRPr kumimoji="1" lang="ja-JP" altLang="en-US"/>
           </a:p>
@@ -2722,7 +2763,7 @@
           <a:lstStyle/>
           <a:p>
             <a:r>
-              <a:rPr lang="ja-JP" altLang="en-US" smtClean="0"/>
+              <a:rPr lang="ja-JP" altLang="en-US"/>
               <a:t>マスター タイトルの書式設定</a:t>
             </a:r>
             <a:endParaRPr lang="en-US" dirty="0"/>
@@ -2779,67 +2820,67 @@
           <a:p>
             <a:pPr lvl="0"/>
             <a:r>
-              <a:rPr lang="ja-JP" altLang="en-US" smtClean="0"/>
+              <a:rPr lang="ja-JP" altLang="en-US"/>
               <a:t>マスター テキストの書式設定</a:t>
             </a:r>
           </a:p>
           <a:p>
             <a:pPr lvl="1"/>
             <a:r>
-              <a:rPr lang="ja-JP" altLang="en-US" smtClean="0"/>
+              <a:rPr lang="ja-JP" altLang="en-US"/>
               <a:t>第 </a:t>
             </a:r>
             <a:r>
-              <a:rPr lang="en-US" altLang="ja-JP" smtClean="0"/>
+              <a:rPr lang="en-US" altLang="ja-JP"/>
               <a:t>2 </a:t>
             </a:r>
             <a:r>
-              <a:rPr lang="ja-JP" altLang="en-US" smtClean="0"/>
+              <a:rPr lang="ja-JP" altLang="en-US"/>
               <a:t>レベル</a:t>
             </a:r>
           </a:p>
           <a:p>
             <a:pPr lvl="2"/>
             <a:r>
-              <a:rPr lang="ja-JP" altLang="en-US" smtClean="0"/>
+              <a:rPr lang="ja-JP" altLang="en-US"/>
               <a:t>第 </a:t>
             </a:r>
             <a:r>
-              <a:rPr lang="en-US" altLang="ja-JP" smtClean="0"/>
+              <a:rPr lang="en-US" altLang="ja-JP"/>
               <a:t>3 </a:t>
             </a:r>
             <a:r>
-              <a:rPr lang="ja-JP" altLang="en-US" smtClean="0"/>
+              <a:rPr lang="ja-JP" altLang="en-US"/>
               <a:t>レベル</a:t>
             </a:r>
           </a:p>
           <a:p>
             <a:pPr lvl="3"/>
             <a:r>
-              <a:rPr lang="ja-JP" altLang="en-US" smtClean="0"/>
+              <a:rPr lang="ja-JP" altLang="en-US"/>
               <a:t>第 </a:t>
             </a:r>
             <a:r>
-              <a:rPr lang="en-US" altLang="ja-JP" smtClean="0"/>
+              <a:rPr lang="en-US" altLang="ja-JP"/>
               <a:t>4 </a:t>
             </a:r>
             <a:r>
-              <a:rPr lang="ja-JP" altLang="en-US" smtClean="0"/>
+              <a:rPr lang="ja-JP" altLang="en-US"/>
               <a:t>レベル</a:t>
             </a:r>
           </a:p>
           <a:p>
             <a:pPr lvl="4"/>
             <a:r>
-              <a:rPr lang="ja-JP" altLang="en-US" smtClean="0"/>
+              <a:rPr lang="ja-JP" altLang="en-US"/>
               <a:t>第 </a:t>
             </a:r>
             <a:r>
-              <a:rPr lang="en-US" altLang="ja-JP" smtClean="0"/>
+              <a:rPr lang="en-US" altLang="ja-JP"/>
               <a:t>5 </a:t>
             </a:r>
             <a:r>
-              <a:rPr lang="ja-JP" altLang="en-US" smtClean="0"/>
+              <a:rPr lang="ja-JP" altLang="en-US"/>
               <a:t>レベル</a:t>
             </a:r>
             <a:endParaRPr lang="en-US" dirty="0"/>
@@ -2896,67 +2937,67 @@
           <a:p>
             <a:pPr lvl="0"/>
             <a:r>
-              <a:rPr lang="ja-JP" altLang="en-US" smtClean="0"/>
+              <a:rPr lang="ja-JP" altLang="en-US"/>
               <a:t>マスター テキストの書式設定</a:t>
             </a:r>
           </a:p>
           <a:p>
             <a:pPr lvl="1"/>
             <a:r>
-              <a:rPr lang="ja-JP" altLang="en-US" smtClean="0"/>
+              <a:rPr lang="ja-JP" altLang="en-US"/>
               <a:t>第 </a:t>
             </a:r>
             <a:r>
-              <a:rPr lang="en-US" altLang="ja-JP" smtClean="0"/>
+              <a:rPr lang="en-US" altLang="ja-JP"/>
               <a:t>2 </a:t>
             </a:r>
             <a:r>
-              <a:rPr lang="ja-JP" altLang="en-US" smtClean="0"/>
+              <a:rPr lang="ja-JP" altLang="en-US"/>
               <a:t>レベル</a:t>
             </a:r>
           </a:p>
           <a:p>
             <a:pPr lvl="2"/>
             <a:r>
-              <a:rPr lang="ja-JP" altLang="en-US" smtClean="0"/>
+              <a:rPr lang="ja-JP" altLang="en-US"/>
               <a:t>第 </a:t>
             </a:r>
             <a:r>
-              <a:rPr lang="en-US" altLang="ja-JP" smtClean="0"/>
+              <a:rPr lang="en-US" altLang="ja-JP"/>
               <a:t>3 </a:t>
             </a:r>
             <a:r>
-              <a:rPr lang="ja-JP" altLang="en-US" smtClean="0"/>
+              <a:rPr lang="ja-JP" altLang="en-US"/>
               <a:t>レベル</a:t>
             </a:r>
           </a:p>
           <a:p>
             <a:pPr lvl="3"/>
             <a:r>
-              <a:rPr lang="ja-JP" altLang="en-US" smtClean="0"/>
+              <a:rPr lang="ja-JP" altLang="en-US"/>
               <a:t>第 </a:t>
             </a:r>
             <a:r>
-              <a:rPr lang="en-US" altLang="ja-JP" smtClean="0"/>
+              <a:rPr lang="en-US" altLang="ja-JP"/>
               <a:t>4 </a:t>
             </a:r>
             <a:r>
-              <a:rPr lang="ja-JP" altLang="en-US" smtClean="0"/>
+              <a:rPr lang="ja-JP" altLang="en-US"/>
               <a:t>レベル</a:t>
             </a:r>
           </a:p>
           <a:p>
             <a:pPr lvl="4"/>
             <a:r>
-              <a:rPr lang="ja-JP" altLang="en-US" smtClean="0"/>
+              <a:rPr lang="ja-JP" altLang="en-US"/>
               <a:t>第 </a:t>
             </a:r>
             <a:r>
-              <a:rPr lang="en-US" altLang="ja-JP" smtClean="0"/>
+              <a:rPr lang="en-US" altLang="ja-JP"/>
               <a:t>5 </a:t>
             </a:r>
             <a:r>
-              <a:rPr lang="ja-JP" altLang="en-US" smtClean="0"/>
+              <a:rPr lang="ja-JP" altLang="en-US"/>
               <a:t>レベル</a:t>
             </a:r>
             <a:endParaRPr lang="en-US" dirty="0"/>
@@ -2980,7 +3021,7 @@
           <a:p>
             <a:fld id="{EA09839B-FDFC-49F9-B956-C85EFC887E6D}" type="datetimeFigureOut">
               <a:rPr kumimoji="1" lang="ja-JP" altLang="en-US" smtClean="0"/>
-              <a:t>2018/5/29</a:t>
+              <a:t>2018/5/30</a:t>
             </a:fld>
             <a:endParaRPr kumimoji="1" lang="ja-JP" altLang="en-US"/>
           </a:p>
@@ -3163,7 +3204,7 @@
           <a:lstStyle/>
           <a:p>
             <a:r>
-              <a:rPr lang="ja-JP" altLang="en-US" dirty="0" smtClean="0"/>
+              <a:rPr lang="ja-JP" altLang="en-US" dirty="0"/>
               <a:t>マスター タイトルの書式設定</a:t>
             </a:r>
             <a:endParaRPr lang="en-US" dirty="0"/>
@@ -3237,7 +3278,7 @@
           <a:p>
             <a:pPr lvl="0"/>
             <a:r>
-              <a:rPr lang="ja-JP" altLang="en-US" smtClean="0"/>
+              <a:rPr lang="ja-JP" altLang="en-US"/>
               <a:t>マスター テキストの書式設定</a:t>
             </a:r>
           </a:p>
@@ -3293,67 +3334,67 @@
           <a:p>
             <a:pPr lvl="0"/>
             <a:r>
-              <a:rPr lang="ja-JP" altLang="en-US" smtClean="0"/>
+              <a:rPr lang="ja-JP" altLang="en-US"/>
               <a:t>マスター テキストの書式設定</a:t>
             </a:r>
           </a:p>
           <a:p>
             <a:pPr lvl="1"/>
             <a:r>
-              <a:rPr lang="ja-JP" altLang="en-US" smtClean="0"/>
+              <a:rPr lang="ja-JP" altLang="en-US"/>
               <a:t>第 </a:t>
             </a:r>
             <a:r>
-              <a:rPr lang="en-US" altLang="ja-JP" smtClean="0"/>
+              <a:rPr lang="en-US" altLang="ja-JP"/>
               <a:t>2 </a:t>
             </a:r>
             <a:r>
-              <a:rPr lang="ja-JP" altLang="en-US" smtClean="0"/>
+              <a:rPr lang="ja-JP" altLang="en-US"/>
               <a:t>レベル</a:t>
             </a:r>
           </a:p>
           <a:p>
             <a:pPr lvl="2"/>
             <a:r>
-              <a:rPr lang="ja-JP" altLang="en-US" smtClean="0"/>
+              <a:rPr lang="ja-JP" altLang="en-US"/>
               <a:t>第 </a:t>
             </a:r>
             <a:r>
-              <a:rPr lang="en-US" altLang="ja-JP" smtClean="0"/>
+              <a:rPr lang="en-US" altLang="ja-JP"/>
               <a:t>3 </a:t>
             </a:r>
             <a:r>
-              <a:rPr lang="ja-JP" altLang="en-US" smtClean="0"/>
+              <a:rPr lang="ja-JP" altLang="en-US"/>
               <a:t>レベル</a:t>
             </a:r>
           </a:p>
           <a:p>
             <a:pPr lvl="3"/>
             <a:r>
-              <a:rPr lang="ja-JP" altLang="en-US" smtClean="0"/>
+              <a:rPr lang="ja-JP" altLang="en-US"/>
               <a:t>第 </a:t>
             </a:r>
             <a:r>
-              <a:rPr lang="en-US" altLang="ja-JP" smtClean="0"/>
+              <a:rPr lang="en-US" altLang="ja-JP"/>
               <a:t>4 </a:t>
             </a:r>
             <a:r>
-              <a:rPr lang="ja-JP" altLang="en-US" smtClean="0"/>
+              <a:rPr lang="ja-JP" altLang="en-US"/>
               <a:t>レベル</a:t>
             </a:r>
           </a:p>
           <a:p>
             <a:pPr lvl="4"/>
             <a:r>
-              <a:rPr lang="ja-JP" altLang="en-US" smtClean="0"/>
+              <a:rPr lang="ja-JP" altLang="en-US"/>
               <a:t>第 </a:t>
             </a:r>
             <a:r>
-              <a:rPr lang="en-US" altLang="ja-JP" smtClean="0"/>
+              <a:rPr lang="en-US" altLang="ja-JP"/>
               <a:t>5 </a:t>
             </a:r>
             <a:r>
-              <a:rPr lang="ja-JP" altLang="en-US" smtClean="0"/>
+              <a:rPr lang="ja-JP" altLang="en-US"/>
               <a:t>レベル</a:t>
             </a:r>
             <a:endParaRPr lang="en-US" dirty="0"/>
@@ -3427,7 +3468,7 @@
           <a:p>
             <a:pPr lvl="0"/>
             <a:r>
-              <a:rPr lang="ja-JP" altLang="en-US" smtClean="0"/>
+              <a:rPr lang="ja-JP" altLang="en-US"/>
               <a:t>マスター テキストの書式設定</a:t>
             </a:r>
           </a:p>
@@ -3483,67 +3524,67 @@
           <a:p>
             <a:pPr lvl="0"/>
             <a:r>
-              <a:rPr lang="ja-JP" altLang="en-US" smtClean="0"/>
+              <a:rPr lang="ja-JP" altLang="en-US"/>
               <a:t>マスター テキストの書式設定</a:t>
             </a:r>
           </a:p>
           <a:p>
             <a:pPr lvl="1"/>
             <a:r>
-              <a:rPr lang="ja-JP" altLang="en-US" smtClean="0"/>
+              <a:rPr lang="ja-JP" altLang="en-US"/>
               <a:t>第 </a:t>
             </a:r>
             <a:r>
-              <a:rPr lang="en-US" altLang="ja-JP" smtClean="0"/>
+              <a:rPr lang="en-US" altLang="ja-JP"/>
               <a:t>2 </a:t>
             </a:r>
             <a:r>
-              <a:rPr lang="ja-JP" altLang="en-US" smtClean="0"/>
+              <a:rPr lang="ja-JP" altLang="en-US"/>
               <a:t>レベル</a:t>
             </a:r>
           </a:p>
           <a:p>
             <a:pPr lvl="2"/>
             <a:r>
-              <a:rPr lang="ja-JP" altLang="en-US" smtClean="0"/>
+              <a:rPr lang="ja-JP" altLang="en-US"/>
               <a:t>第 </a:t>
             </a:r>
             <a:r>
-              <a:rPr lang="en-US" altLang="ja-JP" smtClean="0"/>
+              <a:rPr lang="en-US" altLang="ja-JP"/>
               <a:t>3 </a:t>
             </a:r>
             <a:r>
-              <a:rPr lang="ja-JP" altLang="en-US" smtClean="0"/>
+              <a:rPr lang="ja-JP" altLang="en-US"/>
               <a:t>レベル</a:t>
             </a:r>
           </a:p>
           <a:p>
             <a:pPr lvl="3"/>
             <a:r>
-              <a:rPr lang="ja-JP" altLang="en-US" smtClean="0"/>
+              <a:rPr lang="ja-JP" altLang="en-US"/>
               <a:t>第 </a:t>
             </a:r>
             <a:r>
-              <a:rPr lang="en-US" altLang="ja-JP" smtClean="0"/>
+              <a:rPr lang="en-US" altLang="ja-JP"/>
               <a:t>4 </a:t>
             </a:r>
             <a:r>
-              <a:rPr lang="ja-JP" altLang="en-US" smtClean="0"/>
+              <a:rPr lang="ja-JP" altLang="en-US"/>
               <a:t>レベル</a:t>
             </a:r>
           </a:p>
           <a:p>
             <a:pPr lvl="4"/>
             <a:r>
-              <a:rPr lang="ja-JP" altLang="en-US" smtClean="0"/>
+              <a:rPr lang="ja-JP" altLang="en-US"/>
               <a:t>第 </a:t>
             </a:r>
             <a:r>
-              <a:rPr lang="en-US" altLang="ja-JP" smtClean="0"/>
+              <a:rPr lang="en-US" altLang="ja-JP"/>
               <a:t>5 </a:t>
             </a:r>
             <a:r>
-              <a:rPr lang="ja-JP" altLang="en-US" smtClean="0"/>
+              <a:rPr lang="ja-JP" altLang="en-US"/>
               <a:t>レベル</a:t>
             </a:r>
             <a:endParaRPr lang="en-US" dirty="0"/>
@@ -3567,7 +3608,7 @@
           <a:p>
             <a:fld id="{EA09839B-FDFC-49F9-B956-C85EFC887E6D}" type="datetimeFigureOut">
               <a:rPr kumimoji="1" lang="ja-JP" altLang="en-US" smtClean="0"/>
-              <a:t>2018/5/29</a:t>
+              <a:t>2018/5/30</a:t>
             </a:fld>
             <a:endParaRPr kumimoji="1" lang="ja-JP" altLang="en-US"/>
           </a:p>
@@ -3677,7 +3718,7 @@
           <a:lstStyle/>
           <a:p>
             <a:r>
-              <a:rPr lang="ja-JP" altLang="en-US" dirty="0" smtClean="0"/>
+              <a:rPr lang="ja-JP" altLang="en-US" dirty="0"/>
               <a:t>マスター タイトルの書式設定</a:t>
             </a:r>
             <a:endParaRPr lang="en-US" dirty="0"/>
@@ -3751,7 +3792,7 @@
           <a:p>
             <a:pPr lvl="0"/>
             <a:r>
-              <a:rPr lang="ja-JP" altLang="en-US" smtClean="0"/>
+              <a:rPr lang="ja-JP" altLang="en-US"/>
               <a:t>マスター テキストの書式設定</a:t>
             </a:r>
           </a:p>
@@ -3824,7 +3865,7 @@
           <a:p>
             <a:pPr lvl="0"/>
             <a:r>
-              <a:rPr lang="ja-JP" altLang="en-US" smtClean="0"/>
+              <a:rPr lang="ja-JP" altLang="en-US"/>
               <a:t>マスター テキストの書式設定</a:t>
             </a:r>
           </a:p>
@@ -3847,7 +3888,7 @@
           <a:p>
             <a:fld id="{EA09839B-FDFC-49F9-B956-C85EFC887E6D}" type="datetimeFigureOut">
               <a:rPr kumimoji="1" lang="ja-JP" altLang="en-US" smtClean="0"/>
-              <a:t>2018/5/29</a:t>
+              <a:t>2018/5/30</a:t>
             </a:fld>
             <a:endParaRPr kumimoji="1" lang="ja-JP" altLang="en-US"/>
           </a:p>
@@ -3957,7 +3998,7 @@
           <a:lstStyle/>
           <a:p>
             <a:r>
-              <a:rPr lang="ja-JP" altLang="en-US" smtClean="0"/>
+              <a:rPr lang="ja-JP" altLang="en-US"/>
               <a:t>マスター タイトルの書式設定</a:t>
             </a:r>
             <a:endParaRPr lang="en-US" dirty="0"/>
@@ -3981,7 +4022,7 @@
           <a:p>
             <a:fld id="{EA09839B-FDFC-49F9-B956-C85EFC887E6D}" type="datetimeFigureOut">
               <a:rPr kumimoji="1" lang="ja-JP" altLang="en-US" smtClean="0"/>
-              <a:t>2018/5/29</a:t>
+              <a:t>2018/5/30</a:t>
             </a:fld>
             <a:endParaRPr kumimoji="1" lang="ja-JP" altLang="en-US"/>
           </a:p>
@@ -4106,7 +4147,7 @@
           <a:p>
             <a:fld id="{EA09839B-FDFC-49F9-B956-C85EFC887E6D}" type="datetimeFigureOut">
               <a:rPr kumimoji="1" lang="ja-JP" altLang="en-US" smtClean="0"/>
-              <a:t>2018/5/29</a:t>
+              <a:t>2018/5/30</a:t>
             </a:fld>
             <a:endParaRPr kumimoji="1" lang="ja-JP" altLang="en-US"/>
           </a:p>
@@ -4268,7 +4309,7 @@
           </a:lstStyle>
           <a:p>
             <a:r>
-              <a:rPr lang="ja-JP" altLang="en-US" smtClean="0"/>
+              <a:rPr lang="ja-JP" altLang="en-US"/>
               <a:t>マスター タイトルの書式設定</a:t>
             </a:r>
             <a:endParaRPr lang="en-US" dirty="0"/>
@@ -4325,67 +4366,67 @@
           <a:p>
             <a:pPr lvl="0"/>
             <a:r>
-              <a:rPr lang="ja-JP" altLang="en-US" smtClean="0"/>
+              <a:rPr lang="ja-JP" altLang="en-US"/>
               <a:t>マスター テキストの書式設定</a:t>
             </a:r>
           </a:p>
           <a:p>
             <a:pPr lvl="1"/>
             <a:r>
-              <a:rPr lang="ja-JP" altLang="en-US" smtClean="0"/>
+              <a:rPr lang="ja-JP" altLang="en-US"/>
               <a:t>第 </a:t>
             </a:r>
             <a:r>
-              <a:rPr lang="en-US" altLang="ja-JP" smtClean="0"/>
+              <a:rPr lang="en-US" altLang="ja-JP"/>
               <a:t>2 </a:t>
             </a:r>
             <a:r>
-              <a:rPr lang="ja-JP" altLang="en-US" smtClean="0"/>
+              <a:rPr lang="ja-JP" altLang="en-US"/>
               <a:t>レベル</a:t>
             </a:r>
           </a:p>
           <a:p>
             <a:pPr lvl="2"/>
             <a:r>
-              <a:rPr lang="ja-JP" altLang="en-US" smtClean="0"/>
+              <a:rPr lang="ja-JP" altLang="en-US"/>
               <a:t>第 </a:t>
             </a:r>
             <a:r>
-              <a:rPr lang="en-US" altLang="ja-JP" smtClean="0"/>
+              <a:rPr lang="en-US" altLang="ja-JP"/>
               <a:t>3 </a:t>
             </a:r>
             <a:r>
-              <a:rPr lang="ja-JP" altLang="en-US" smtClean="0"/>
+              <a:rPr lang="ja-JP" altLang="en-US"/>
               <a:t>レベル</a:t>
             </a:r>
           </a:p>
           <a:p>
             <a:pPr lvl="3"/>
             <a:r>
-              <a:rPr lang="ja-JP" altLang="en-US" smtClean="0"/>
+              <a:rPr lang="ja-JP" altLang="en-US"/>
               <a:t>第 </a:t>
             </a:r>
             <a:r>
-              <a:rPr lang="en-US" altLang="ja-JP" smtClean="0"/>
+              <a:rPr lang="en-US" altLang="ja-JP"/>
               <a:t>4 </a:t>
             </a:r>
             <a:r>
-              <a:rPr lang="ja-JP" altLang="en-US" smtClean="0"/>
+              <a:rPr lang="ja-JP" altLang="en-US"/>
               <a:t>レベル</a:t>
             </a:r>
           </a:p>
           <a:p>
             <a:pPr lvl="4"/>
             <a:r>
-              <a:rPr lang="ja-JP" altLang="en-US" smtClean="0"/>
+              <a:rPr lang="ja-JP" altLang="en-US"/>
               <a:t>第 </a:t>
             </a:r>
             <a:r>
-              <a:rPr lang="en-US" altLang="ja-JP" smtClean="0"/>
+              <a:rPr lang="en-US" altLang="ja-JP"/>
               <a:t>5 </a:t>
             </a:r>
             <a:r>
-              <a:rPr lang="ja-JP" altLang="en-US" smtClean="0"/>
+              <a:rPr lang="ja-JP" altLang="en-US"/>
               <a:t>レベル</a:t>
             </a:r>
             <a:endParaRPr lang="en-US" dirty="0"/>
@@ -4465,7 +4506,7 @@
           <a:p>
             <a:pPr lvl="0"/>
             <a:r>
-              <a:rPr lang="ja-JP" altLang="en-US" smtClean="0"/>
+              <a:rPr lang="ja-JP" altLang="en-US"/>
               <a:t>マスター テキストの書式設定</a:t>
             </a:r>
           </a:p>
@@ -4488,7 +4529,7 @@
           <a:p>
             <a:fld id="{EA09839B-FDFC-49F9-B956-C85EFC887E6D}" type="datetimeFigureOut">
               <a:rPr kumimoji="1" lang="ja-JP" altLang="en-US" smtClean="0"/>
-              <a:t>2018/5/29</a:t>
+              <a:t>2018/5/30</a:t>
             </a:fld>
             <a:endParaRPr kumimoji="1" lang="ja-JP" altLang="en-US"/>
           </a:p>
@@ -4696,7 +4737,7 @@
           <a:lstStyle/>
           <a:p>
             <a:r>
-              <a:rPr lang="ja-JP" altLang="en-US" smtClean="0"/>
+              <a:rPr lang="ja-JP" altLang="en-US"/>
               <a:t>マスター タイトルの書式設定</a:t>
             </a:r>
             <a:endParaRPr lang="en-US" dirty="0"/>
@@ -4730,67 +4771,67 @@
           <a:p>
             <a:pPr lvl="0"/>
             <a:r>
-              <a:rPr lang="ja-JP" altLang="en-US" smtClean="0"/>
+              <a:rPr lang="ja-JP" altLang="en-US"/>
               <a:t>マスター テキストの書式設定</a:t>
             </a:r>
           </a:p>
           <a:p>
             <a:pPr lvl="1"/>
             <a:r>
-              <a:rPr lang="ja-JP" altLang="en-US" smtClean="0"/>
+              <a:rPr lang="ja-JP" altLang="en-US"/>
               <a:t>第 </a:t>
             </a:r>
             <a:r>
-              <a:rPr lang="en-US" altLang="ja-JP" smtClean="0"/>
+              <a:rPr lang="en-US" altLang="ja-JP"/>
               <a:t>2 </a:t>
             </a:r>
             <a:r>
-              <a:rPr lang="ja-JP" altLang="en-US" smtClean="0"/>
+              <a:rPr lang="ja-JP" altLang="en-US"/>
               <a:t>レベル</a:t>
             </a:r>
           </a:p>
           <a:p>
             <a:pPr lvl="2"/>
             <a:r>
-              <a:rPr lang="ja-JP" altLang="en-US" smtClean="0"/>
+              <a:rPr lang="ja-JP" altLang="en-US"/>
               <a:t>第 </a:t>
             </a:r>
             <a:r>
-              <a:rPr lang="en-US" altLang="ja-JP" smtClean="0"/>
+              <a:rPr lang="en-US" altLang="ja-JP"/>
               <a:t>3 </a:t>
             </a:r>
             <a:r>
-              <a:rPr lang="ja-JP" altLang="en-US" smtClean="0"/>
+              <a:rPr lang="ja-JP" altLang="en-US"/>
               <a:t>レベル</a:t>
             </a:r>
           </a:p>
           <a:p>
             <a:pPr lvl="3"/>
             <a:r>
-              <a:rPr lang="ja-JP" altLang="en-US" smtClean="0"/>
+              <a:rPr lang="ja-JP" altLang="en-US"/>
               <a:t>第 </a:t>
             </a:r>
             <a:r>
-              <a:rPr lang="en-US" altLang="ja-JP" smtClean="0"/>
+              <a:rPr lang="en-US" altLang="ja-JP"/>
               <a:t>4 </a:t>
             </a:r>
             <a:r>
-              <a:rPr lang="ja-JP" altLang="en-US" smtClean="0"/>
+              <a:rPr lang="ja-JP" altLang="en-US"/>
               <a:t>レベル</a:t>
             </a:r>
           </a:p>
           <a:p>
             <a:pPr lvl="4"/>
             <a:r>
-              <a:rPr lang="ja-JP" altLang="en-US" smtClean="0"/>
+              <a:rPr lang="ja-JP" altLang="en-US"/>
               <a:t>第 </a:t>
             </a:r>
             <a:r>
-              <a:rPr lang="en-US" altLang="ja-JP" smtClean="0"/>
+              <a:rPr lang="en-US" altLang="ja-JP"/>
               <a:t>5 </a:t>
             </a:r>
             <a:r>
-              <a:rPr lang="ja-JP" altLang="en-US" smtClean="0"/>
+              <a:rPr lang="ja-JP" altLang="en-US"/>
               <a:t>レベル</a:t>
             </a:r>
             <a:endParaRPr lang="en-US" dirty="0"/>
@@ -4830,7 +4871,7 @@
           <a:p>
             <a:fld id="{EA09839B-FDFC-49F9-B956-C85EFC887E6D}" type="datetimeFigureOut">
               <a:rPr kumimoji="1" lang="ja-JP" altLang="en-US" smtClean="0"/>
-              <a:t>2018/5/29</a:t>
+              <a:t>2018/5/30</a:t>
             </a:fld>
             <a:endParaRPr kumimoji="1" lang="ja-JP" altLang="en-US"/>
           </a:p>
@@ -5439,7 +5480,7 @@
           <a:lstStyle/>
           <a:p>
             <a:r>
-              <a:rPr kumimoji="1" lang="ja-JP" altLang="en-US" dirty="0" smtClean="0"/>
+              <a:rPr kumimoji="1" lang="ja-JP" altLang="en-US" dirty="0"/>
               <a:t>侍</a:t>
             </a:r>
             <a:r>
@@ -5447,10 +5488,9 @@
               <a:t>すし</a:t>
             </a:r>
             <a:r>
-              <a:rPr kumimoji="1" lang="ja-JP" altLang="en-US" dirty="0" smtClean="0"/>
+              <a:rPr kumimoji="1" lang="ja-JP" altLang="en-US" dirty="0"/>
               <a:t>屋</a:t>
             </a:r>
-            <a:endParaRPr kumimoji="1" lang="ja-JP" altLang="en-US" dirty="0"/>
           </a:p>
         </p:txBody>
       </p:sp>
@@ -5470,10 +5510,9 @@
           <a:lstStyle/>
           <a:p>
             <a:r>
-              <a:rPr kumimoji="1" lang="ja-JP" altLang="en-US" dirty="0" smtClean="0"/>
+              <a:rPr kumimoji="1" lang="ja-JP" altLang="en-US" dirty="0"/>
               <a:t>ゲーム企画・シナリオ専攻二年　タンカ</a:t>
             </a:r>
-            <a:endParaRPr kumimoji="1" lang="ja-JP" altLang="en-US" dirty="0"/>
           </a:p>
         </p:txBody>
       </p:sp>
@@ -5487,13 +5526,6 @@
   <p:clrMapOvr>
     <a:masterClrMapping/>
   </p:clrMapOvr>
-  <p:timing>
-    <p:tnLst>
-      <p:par>
-        <p:cTn id="1" dur="indefinite" restart="never" nodeType="tmRoot"/>
-      </p:par>
-    </p:tnLst>
-  </p:timing>
 </p:sld>
 </file>
 
@@ -5531,13 +5563,13 @@
           </a:xfrm>
         </p:spPr>
         <p:txBody>
-          <a:bodyPr>
+          <a:bodyPr vert="horz" lIns="91440" tIns="45720" rIns="91440" bIns="45720" rtlCol="0" anchor="t">
             <a:normAutofit/>
           </a:bodyPr>
           <a:lstStyle/>
           <a:p>
             <a:r>
-              <a:rPr lang="ja-JP" altLang="en-US" sz="2400" dirty="0"/>
+              <a:rPr lang="ja-JP" altLang="en-US" sz="2400"/>
               <a:t>ジャンル：２</a:t>
             </a:r>
             <a:r>
@@ -5545,10 +5577,10 @@
               <a:t>D</a:t>
             </a:r>
             <a:r>
-              <a:rPr lang="ja-JP" altLang="en-US" sz="2400" dirty="0"/>
-              <a:t>刀アクション、エンドレスゲーム</a:t>
-            </a:r>
-            <a:endParaRPr lang="en-US" altLang="ja-JP" sz="2400" dirty="0"/>
+              <a:rPr lang="ja-JP" altLang="en-US" sz="2400"/>
+              <a:t>刀アクション</a:t>
+            </a:r>
+            <a:endParaRPr lang="en-US" altLang="ja-JP" sz="2400"/>
           </a:p>
           <a:p>
             <a:r>
@@ -5560,22 +5592,14 @@
           <a:p>
             <a:r>
               <a:rPr lang="ja-JP" altLang="en-US" sz="2400" dirty="0"/>
-              <a:t>ターゲット</a:t>
-            </a:r>
-            <a:r>
-              <a:rPr lang="ja-JP" altLang="en-US" sz="2400" dirty="0" smtClean="0"/>
-              <a:t>：簡単操作アクションが好きな方</a:t>
-            </a:r>
-            <a:endParaRPr lang="en-US" altLang="ja-JP" sz="2400" dirty="0" smtClean="0"/>
-          </a:p>
-          <a:p>
-            <a:r>
-              <a:rPr lang="ja-JP" altLang="en-US" sz="2400" dirty="0" smtClean="0"/>
-              <a:t>プレイ</a:t>
-            </a:r>
+              <a:t>ターゲット：簡単操作アクションが好きな方</a:t>
+            </a:r>
+            <a:endParaRPr lang="en-US" altLang="ja-JP" sz="2400" dirty="0"/>
+          </a:p>
+          <a:p>
             <a:r>
               <a:rPr lang="ja-JP" altLang="en-US" sz="2400" dirty="0"/>
-              <a:t>人数：</a:t>
+              <a:t>プレイ人数：</a:t>
             </a:r>
             <a:r>
               <a:rPr lang="en-US" altLang="ja-JP" sz="2400" dirty="0"/>
@@ -5749,19 +5773,19 @@
           </a:lstStyle>
           <a:p>
             <a:r>
-              <a:rPr lang="ja-JP" altLang="en-US" sz="8000" dirty="0" smtClean="0"/>
+              <a:rPr lang="ja-JP" altLang="en-US" sz="8000" dirty="0"/>
               <a:t>侍</a:t>
             </a:r>
             <a:r>
-              <a:rPr lang="ja-JP" altLang="en-US" sz="4800" dirty="0" smtClean="0"/>
+              <a:rPr lang="ja-JP" altLang="en-US" sz="4800" dirty="0"/>
               <a:t>と</a:t>
             </a:r>
             <a:r>
-              <a:rPr lang="ja-JP" altLang="en-US" sz="8000" dirty="0" smtClean="0"/>
+              <a:rPr lang="ja-JP" altLang="en-US" sz="8000" dirty="0"/>
               <a:t>すし</a:t>
             </a:r>
             <a:r>
-              <a:rPr lang="ja-JP" altLang="en-US" sz="4800" dirty="0" smtClean="0"/>
+              <a:rPr lang="ja-JP" altLang="en-US" sz="4800" dirty="0"/>
               <a:t>の出会い</a:t>
             </a:r>
             <a:endParaRPr lang="ja-JP" altLang="en-US" sz="9600" dirty="0"/>
@@ -5904,11 +5928,11 @@
               <a:t>刀</a:t>
             </a:r>
             <a:r>
-              <a:rPr lang="ja-JP" altLang="en-US" sz="3600" dirty="0" smtClean="0"/>
+              <a:rPr lang="ja-JP" altLang="en-US" sz="3600" dirty="0"/>
               <a:t>で</a:t>
             </a:r>
             <a:r>
-              <a:rPr lang="ja-JP" altLang="en-US" sz="6600" dirty="0" smtClean="0"/>
+              <a:rPr lang="ja-JP" altLang="en-US" sz="6600" dirty="0"/>
               <a:t>すし</a:t>
             </a:r>
             <a:endParaRPr kumimoji="1" lang="ja-JP" altLang="en-US" sz="6600" dirty="0"/>
@@ -6491,13 +6515,6 @@
   <p:transition spd="slow">
     <p:randomBar dir="vert"/>
   </p:transition>
-  <p:timing>
-    <p:tnLst>
-      <p:par>
-        <p:cTn id="1" dur="indefinite" restart="never" nodeType="tmRoot"/>
-      </p:par>
-    </p:tnLst>
-  </p:timing>
 </p:sld>
 </file>
 
@@ -6602,13 +6619,8 @@
             <a:pPr algn="ctr"/>
             <a:r>
               <a:rPr lang="ja-JP" altLang="en-US" dirty="0"/>
-              <a:t>人気は商売の</a:t>
-            </a:r>
-            <a:r>
-              <a:rPr lang="ja-JP" altLang="en-US" dirty="0" smtClean="0"/>
-              <a:t>イノチ</a:t>
-            </a:r>
-            <a:endParaRPr lang="ja-JP" altLang="en-US" dirty="0"/>
+              <a:t>人気は商売のイノチ</a:t>
+            </a:r>
           </a:p>
         </p:txBody>
       </p:sp>
@@ -6635,13 +6647,8 @@
             <a:pPr algn="ctr"/>
             <a:r>
               <a:rPr lang="ja-JP" altLang="en-US" dirty="0"/>
-              <a:t>だから客を大切</a:t>
-            </a:r>
-            <a:r>
-              <a:rPr lang="ja-JP" altLang="en-US" dirty="0" smtClean="0"/>
-              <a:t>に</a:t>
-            </a:r>
-            <a:endParaRPr lang="ja-JP" altLang="en-US" dirty="0"/>
+              <a:t>だから客を大切に</a:t>
+            </a:r>
           </a:p>
         </p:txBody>
       </p:sp>
@@ -8083,17 +8090,16 @@
           </a:lstStyle>
           <a:p>
             <a:r>
-              <a:rPr lang="ja-JP" altLang="en-US" sz="1800" dirty="0" smtClean="0"/>
+              <a:rPr lang="ja-JP" altLang="en-US" sz="1800" dirty="0"/>
               <a:t>上手くすしを作っていれば、店の人気が上がり、たくさんのお客様が並んで来る</a:t>
             </a:r>
-            <a:endParaRPr lang="en-US" altLang="ja-JP" sz="1800" dirty="0" smtClean="0"/>
-          </a:p>
-          <a:p>
-            <a:r>
-              <a:rPr lang="ja-JP" altLang="en-US" sz="1800" dirty="0" smtClean="0"/>
+            <a:endParaRPr lang="en-US" altLang="ja-JP" sz="1800" dirty="0"/>
+          </a:p>
+          <a:p>
+            <a:r>
+              <a:rPr lang="ja-JP" altLang="en-US" sz="1800" dirty="0"/>
               <a:t>寿司を食べてもらえば、お金がもらえる</a:t>
             </a:r>
-            <a:endParaRPr lang="ja-JP" altLang="en-US" sz="1800" dirty="0"/>
           </a:p>
         </p:txBody>
       </p:sp>
@@ -8368,17 +8374,16 @@
           </a:lstStyle>
           <a:p>
             <a:r>
-              <a:rPr lang="ja-JP" altLang="en-US" sz="1800" dirty="0" smtClean="0"/>
+              <a:rPr lang="ja-JP" altLang="en-US" sz="1800" dirty="0"/>
               <a:t>すしを切るときは、お客様を切らないように注意</a:t>
             </a:r>
-            <a:endParaRPr lang="en-US" altLang="ja-JP" sz="1800" dirty="0" smtClean="0"/>
-          </a:p>
-          <a:p>
-            <a:r>
-              <a:rPr lang="ja-JP" altLang="en-US" sz="1800" dirty="0" smtClean="0"/>
+            <a:endParaRPr lang="en-US" altLang="ja-JP" sz="1800" dirty="0"/>
+          </a:p>
+          <a:p>
+            <a:r>
+              <a:rPr lang="ja-JP" altLang="en-US" sz="1800" dirty="0"/>
               <a:t>人気がなくなるとゲームオーバー</a:t>
             </a:r>
-            <a:endParaRPr lang="ja-JP" altLang="en-US" sz="1800" dirty="0"/>
           </a:p>
         </p:txBody>
       </p:sp>
@@ -8405,7 +8410,7 @@
           <a:lstStyle/>
           <a:p>
             <a:r>
-              <a:rPr kumimoji="1" lang="ja-JP" altLang="en-US" dirty="0" smtClean="0">
+              <a:rPr kumimoji="1" lang="ja-JP" altLang="en-US" dirty="0">
                 <a:ln w="3175">
                   <a:noFill/>
                 </a:ln>
@@ -8415,14 +8420,6 @@
               </a:rPr>
               <a:t>人気</a:t>
             </a:r>
-            <a:endParaRPr kumimoji="1" lang="ja-JP" altLang="en-US" dirty="0">
-              <a:ln w="3175">
-                <a:noFill/>
-              </a:ln>
-              <a:solidFill>
-                <a:schemeClr val="bg1"/>
-              </a:solidFill>
-            </a:endParaRPr>
           </a:p>
         </p:txBody>
       </p:sp>
@@ -9211,10 +9208,9 @@
           <a:lstStyle/>
           <a:p>
             <a:r>
-              <a:rPr kumimoji="1" lang="ja-JP" altLang="en-US" dirty="0" smtClean="0"/>
+              <a:rPr kumimoji="1" lang="ja-JP" altLang="en-US" dirty="0"/>
               <a:t>忍者襲来！</a:t>
             </a:r>
-            <a:endParaRPr kumimoji="1" lang="ja-JP" altLang="en-US" dirty="0"/>
           </a:p>
         </p:txBody>
       </p:sp>
@@ -9682,7 +9678,7 @@
           <a:lstStyle/>
           <a:p>
             <a:r>
-              <a:rPr lang="ja-JP" altLang="en-US" sz="6600" dirty="0" smtClean="0"/>
+              <a:rPr lang="ja-JP" altLang="en-US" sz="6600" dirty="0"/>
               <a:t>今後の課題</a:t>
             </a:r>
             <a:endParaRPr kumimoji="1" lang="ja-JP" altLang="en-US" sz="6600" dirty="0"/>
@@ -9930,7 +9926,7 @@
           <a:lstStyle/>
           <a:p>
             <a:r>
-              <a:rPr kumimoji="1" lang="ja-JP" altLang="en-US" dirty="0" smtClean="0">
+              <a:rPr kumimoji="1" lang="ja-JP" altLang="en-US" dirty="0">
                 <a:ln w="3175">
                   <a:noFill/>
                 </a:ln>
@@ -9940,14 +9936,6 @@
               </a:rPr>
               <a:t>人気</a:t>
             </a:r>
-            <a:endParaRPr kumimoji="1" lang="ja-JP" altLang="en-US" dirty="0">
-              <a:ln w="3175">
-                <a:noFill/>
-              </a:ln>
-              <a:solidFill>
-                <a:schemeClr val="bg1"/>
-              </a:solidFill>
-            </a:endParaRPr>
           </a:p>
         </p:txBody>
       </p:sp>
@@ -10005,7 +9993,7 @@
           <a:p>
             <a:pPr algn="ctr"/>
             <a:r>
-              <a:rPr lang="ja-JP" altLang="en-US" sz="2400" b="1" cap="none" spc="0" dirty="0" smtClean="0">
+              <a:rPr lang="ja-JP" altLang="en-US" sz="2400" b="1" cap="none" spc="0" dirty="0">
                 <a:ln w="9525">
                   <a:solidFill>
                     <a:schemeClr val="tx1"/>
@@ -10025,24 +10013,6 @@
               </a:rPr>
               <a:t>人間性</a:t>
             </a:r>
-            <a:endParaRPr lang="ja-JP" altLang="en-US" sz="2400" b="1" cap="none" spc="0" dirty="0">
-              <a:ln w="9525">
-                <a:solidFill>
-                  <a:schemeClr val="tx1"/>
-                </a:solidFill>
-                <a:prstDash val="solid"/>
-              </a:ln>
-              <a:solidFill>
-                <a:srgbClr val="FFFFFF"/>
-              </a:solidFill>
-              <a:effectLst>
-                <a:outerShdw blurRad="38100" dist="22860" dir="5400000" algn="tl" rotWithShape="0">
-                  <a:srgbClr val="000000">
-                    <a:alpha val="30000"/>
-                  </a:srgbClr>
-                </a:outerShdw>
-              </a:effectLst>
-            </a:endParaRPr>
           </a:p>
         </p:txBody>
       </p:sp>
@@ -10118,6 +10088,36 @@
           <a:xfrm>
             <a:off x="5040415" y="2528767"/>
             <a:ext cx="2046555" cy="3069833"/>
+          </a:xfrm>
+          <a:prstGeom prst="rect">
+            <a:avLst/>
+          </a:prstGeom>
+        </p:spPr>
+      </p:pic>
+      <p:pic>
+        <p:nvPicPr>
+          <p:cNvPr id="10" name="図 10" descr="クリップアート が含まれている画像&#10;&#10;非常に高い精度で生成された説明">
+            <a:extLst>
+              <a:ext uri="{FF2B5EF4-FFF2-40B4-BE49-F238E27FC236}">
+                <a16:creationId xmlns:a16="http://schemas.microsoft.com/office/drawing/2014/main" id="{2563C2B7-6F4C-459B-BDE1-918C9D82F100}"/>
+              </a:ext>
+            </a:extLst>
+          </p:cNvPr>
+          <p:cNvPicPr>
+            <a:picLocks noChangeAspect="1"/>
+          </p:cNvPicPr>
+          <p:nvPr/>
+        </p:nvPicPr>
+        <p:blipFill>
+          <a:blip r:embed="rId6"/>
+          <a:stretch>
+            <a:fillRect/>
+          </a:stretch>
+        </p:blipFill>
+        <p:spPr>
+          <a:xfrm>
+            <a:off x="6503058" y="2791363"/>
+            <a:ext cx="637996" cy="657046"/>
           </a:xfrm>
           <a:prstGeom prst="rect">
             <a:avLst/>
@@ -10428,6 +10428,51 @@
                       </p:childTnLst>
                     </p:cTn>
                   </p:par>
+                  <p:par>
+                    <p:cTn id="25" fill="hold">
+                      <p:stCondLst>
+                        <p:cond delay="indefinite"/>
+                      </p:stCondLst>
+                      <p:childTnLst>
+                        <p:par>
+                          <p:cTn id="26" fill="hold">
+                            <p:stCondLst>
+                              <p:cond delay="0"/>
+                            </p:stCondLst>
+                            <p:childTnLst>
+                              <p:par>
+                                <p:cTn id="27" presetID="1" presetClass="entr" presetSubtype="0" fill="hold" nodeType="clickEffect">
+                                  <p:stCondLst>
+                                    <p:cond delay="0"/>
+                                  </p:stCondLst>
+                                  <p:childTnLst>
+                                    <p:set>
+                                      <p:cBhvr>
+                                        <p:cTn id="28" dur="1" fill="hold">
+                                          <p:stCondLst>
+                                            <p:cond delay="0"/>
+                                          </p:stCondLst>
+                                        </p:cTn>
+                                        <p:tgtEl>
+                                          <p:spTgt spid="10"/>
+                                        </p:tgtEl>
+                                        <p:attrNameLst>
+                                          <p:attrName>style.visibility</p:attrName>
+                                        </p:attrNameLst>
+                                      </p:cBhvr>
+                                      <p:to>
+                                        <p:strVal val="visible"/>
+                                      </p:to>
+                                    </p:set>
+                                  </p:childTnLst>
+                                </p:cTn>
+                              </p:par>
+                            </p:childTnLst>
+                          </p:cTn>
+                        </p:par>
+                      </p:childTnLst>
+                    </p:cTn>
+                  </p:par>
                 </p:childTnLst>
               </p:cTn>
               <p:prevCondLst>
@@ -10485,2129 +10530,6 @@
             <p:ph type="title"/>
           </p:nvPr>
         </p:nvSpPr>
-        <p:spPr/>
-        <p:txBody>
-          <a:bodyPr/>
-          <a:lstStyle/>
-          <a:p>
-            <a:r>
-              <a:rPr kumimoji="1" lang="ja-JP" altLang="en-US" sz="4400" dirty="0" smtClean="0"/>
-              <a:t>こんな</a:t>
-            </a:r>
-            <a:r>
-              <a:rPr kumimoji="1" lang="ja-JP" altLang="en-US" sz="6600" dirty="0" smtClean="0"/>
-              <a:t>物語</a:t>
-            </a:r>
-            <a:r>
-              <a:rPr kumimoji="1" lang="ja-JP" altLang="en-US" sz="4400" dirty="0" smtClean="0"/>
-              <a:t>だった</a:t>
-            </a:r>
-            <a:endParaRPr kumimoji="1" lang="ja-JP" altLang="en-US" sz="4400" dirty="0"/>
-          </a:p>
-        </p:txBody>
-      </p:sp>
-      <p:sp>
-        <p:nvSpPr>
-          <p:cNvPr id="3" name="コンテンツ プレースホルダー 2"/>
-          <p:cNvSpPr>
-            <a:spLocks noGrp="1"/>
-          </p:cNvSpPr>
-          <p:nvPr>
-            <p:ph idx="1"/>
-          </p:nvPr>
-        </p:nvSpPr>
-        <p:spPr/>
-        <p:txBody>
-          <a:bodyPr>
-            <a:normAutofit/>
-          </a:bodyPr>
-          <a:lstStyle/>
-          <a:p>
-            <a:pPr marL="0" indent="0">
-              <a:buNone/>
-            </a:pPr>
-            <a:r>
-              <a:rPr kumimoji="1" lang="ja-JP" altLang="en-US" sz="2400" dirty="0" smtClean="0"/>
-              <a:t>時は江戸、剣術を極めた</a:t>
-            </a:r>
-            <a:r>
-              <a:rPr kumimoji="1" lang="ja-JP" altLang="en-US" sz="3200" dirty="0" smtClean="0"/>
-              <a:t>侍</a:t>
-            </a:r>
-            <a:r>
-              <a:rPr kumimoji="1" lang="ja-JP" altLang="en-US" sz="2400" dirty="0" smtClean="0"/>
-              <a:t>がいた。</a:t>
-            </a:r>
-            <a:endParaRPr kumimoji="1" lang="en-US" altLang="ja-JP" sz="2400" dirty="0" smtClean="0"/>
-          </a:p>
-          <a:p>
-            <a:pPr marL="0" indent="0">
-              <a:buNone/>
-            </a:pPr>
-            <a:r>
-              <a:rPr lang="ja-JP" altLang="en-US" sz="2400" dirty="0" smtClean="0"/>
-              <a:t>されど</a:t>
-            </a:r>
-            <a:r>
-              <a:rPr lang="ja-JP" altLang="en-US" sz="2400" dirty="0"/>
-              <a:t>大名</a:t>
-            </a:r>
-            <a:r>
-              <a:rPr lang="ja-JP" altLang="en-US" sz="2400" dirty="0" smtClean="0"/>
-              <a:t>はこの侍の才能を嫉妬し、彼を追放した</a:t>
-            </a:r>
-            <a:endParaRPr kumimoji="1" lang="en-US" altLang="ja-JP" sz="2400" dirty="0" smtClean="0"/>
-          </a:p>
-          <a:p>
-            <a:pPr marL="0" indent="0">
-              <a:buNone/>
-            </a:pPr>
-            <a:r>
-              <a:rPr kumimoji="1" lang="ja-JP" altLang="en-US" sz="2400" dirty="0" smtClean="0"/>
-              <a:t>その侍は自分の剣術で</a:t>
-            </a:r>
-            <a:r>
-              <a:rPr lang="ja-JP" altLang="en-US" sz="2400" dirty="0" smtClean="0"/>
-              <a:t>何かをやると思って</a:t>
-            </a:r>
-            <a:r>
-              <a:rPr lang="en-US" altLang="ja-JP" sz="2400" dirty="0" smtClean="0"/>
-              <a:t>……</a:t>
-            </a:r>
-          </a:p>
-          <a:p>
-            <a:pPr marL="0" indent="0">
-              <a:buNone/>
-            </a:pPr>
-            <a:r>
-              <a:rPr kumimoji="1" lang="ja-JP" altLang="en-US" sz="3200" dirty="0" smtClean="0"/>
-              <a:t>すし</a:t>
-            </a:r>
-            <a:r>
-              <a:rPr kumimoji="1" lang="ja-JP" altLang="en-US" sz="3200" dirty="0"/>
-              <a:t>屋</a:t>
-            </a:r>
-            <a:r>
-              <a:rPr kumimoji="1" lang="ja-JP" altLang="en-US" sz="2400" dirty="0" smtClean="0"/>
-              <a:t>を開いた</a:t>
-            </a:r>
-            <a:endParaRPr kumimoji="1" lang="en-US" altLang="ja-JP" sz="2400" dirty="0" smtClean="0"/>
-          </a:p>
-          <a:p>
-            <a:pPr marL="0" indent="0">
-              <a:buNone/>
-            </a:pPr>
-            <a:r>
-              <a:rPr lang="ja-JP" altLang="en-US" sz="2400" dirty="0" smtClean="0"/>
-              <a:t>それはなんと、</a:t>
-            </a:r>
-            <a:endParaRPr lang="en-US" altLang="ja-JP" sz="2400" dirty="0" smtClean="0"/>
-          </a:p>
-          <a:p>
-            <a:pPr marL="0" indent="0">
-              <a:buNone/>
-            </a:pPr>
-            <a:r>
-              <a:rPr kumimoji="1" lang="ja-JP" altLang="en-US" sz="3200" dirty="0"/>
-              <a:t>刀</a:t>
-            </a:r>
-            <a:r>
-              <a:rPr kumimoji="1" lang="ja-JP" altLang="en-US" sz="2400" dirty="0" smtClean="0"/>
-              <a:t>で</a:t>
-            </a:r>
-            <a:r>
-              <a:rPr kumimoji="1" lang="ja-JP" altLang="en-US" sz="2400" dirty="0"/>
-              <a:t>すし</a:t>
-            </a:r>
-            <a:r>
-              <a:rPr kumimoji="1" lang="ja-JP" altLang="en-US" sz="2400" dirty="0" smtClean="0"/>
-              <a:t>を作ることだと</a:t>
-            </a:r>
-            <a:endParaRPr kumimoji="1" lang="en-US" altLang="ja-JP" sz="2400" dirty="0" smtClean="0"/>
-          </a:p>
-        </p:txBody>
-      </p:sp>
-      <p:grpSp>
-        <p:nvGrpSpPr>
-          <p:cNvPr id="8" name="グループ化 7"/>
-          <p:cNvGrpSpPr/>
-          <p:nvPr/>
-        </p:nvGrpSpPr>
-        <p:grpSpPr>
-          <a:xfrm>
-            <a:off x="7689723" y="1074556"/>
-            <a:ext cx="3438525" cy="4190102"/>
-            <a:chOff x="7647813" y="1188856"/>
-            <a:chExt cx="3438525" cy="4190102"/>
-          </a:xfrm>
-        </p:grpSpPr>
-        <p:pic>
-          <p:nvPicPr>
-            <p:cNvPr id="4" name="図 3"/>
-            <p:cNvPicPr>
-              <a:picLocks noChangeAspect="1"/>
-            </p:cNvPicPr>
-            <p:nvPr/>
-          </p:nvPicPr>
-          <p:blipFill>
-            <a:blip r:embed="rId2">
-              <a:extLst>
-                <a:ext uri="{28A0092B-C50C-407E-A947-70E740481C1C}">
-                  <a14:useLocalDpi xmlns:a14="http://schemas.microsoft.com/office/drawing/2010/main" val="0"/>
-                </a:ext>
-              </a:extLst>
-            </a:blip>
-            <a:stretch>
-              <a:fillRect/>
-            </a:stretch>
-          </p:blipFill>
-          <p:spPr>
-            <a:xfrm>
-              <a:off x="7647813" y="2121408"/>
-              <a:ext cx="3438525" cy="3257550"/>
-            </a:xfrm>
-            <a:prstGeom prst="rect">
-              <a:avLst/>
-            </a:prstGeom>
-          </p:spPr>
-        </p:pic>
-        <p:pic>
-          <p:nvPicPr>
-            <p:cNvPr id="6" name="図 5"/>
-            <p:cNvPicPr>
-              <a:picLocks noChangeAspect="1"/>
-            </p:cNvPicPr>
-            <p:nvPr/>
-          </p:nvPicPr>
-          <p:blipFill>
-            <a:blip r:embed="rId3" cstate="print">
-              <a:extLst>
-                <a:ext uri="{28A0092B-C50C-407E-A947-70E740481C1C}">
-                  <a14:useLocalDpi xmlns:a14="http://schemas.microsoft.com/office/drawing/2010/main" val="0"/>
-                </a:ext>
-              </a:extLst>
-            </a:blip>
-            <a:stretch>
-              <a:fillRect/>
-            </a:stretch>
-          </p:blipFill>
-          <p:spPr>
-            <a:xfrm rot="18599931">
-              <a:off x="8099043" y="1188856"/>
-              <a:ext cx="1337337" cy="1337337"/>
-            </a:xfrm>
-            <a:prstGeom prst="rect">
-              <a:avLst/>
-            </a:prstGeom>
-          </p:spPr>
-        </p:pic>
-        <p:pic>
-          <p:nvPicPr>
-            <p:cNvPr id="7" name="図 6"/>
-            <p:cNvPicPr>
-              <a:picLocks noChangeAspect="1"/>
-            </p:cNvPicPr>
-            <p:nvPr/>
-          </p:nvPicPr>
-          <p:blipFill>
-            <a:blip r:embed="rId4" cstate="print">
-              <a:extLst>
-                <a:ext uri="{28A0092B-C50C-407E-A947-70E740481C1C}">
-                  <a14:useLocalDpi xmlns:a14="http://schemas.microsoft.com/office/drawing/2010/main" val="0"/>
-                </a:ext>
-              </a:extLst>
-            </a:blip>
-            <a:stretch>
-              <a:fillRect/>
-            </a:stretch>
-          </p:blipFill>
-          <p:spPr>
-            <a:xfrm rot="16817351">
-              <a:off x="7756496" y="1865892"/>
-              <a:ext cx="1337337" cy="1337337"/>
-            </a:xfrm>
-            <a:prstGeom prst="rect">
-              <a:avLst/>
-            </a:prstGeom>
-          </p:spPr>
-        </p:pic>
-      </p:grpSp>
-    </p:spTree>
-    <p:extLst>
-      <p:ext uri="{BB962C8B-B14F-4D97-AF65-F5344CB8AC3E}">
-        <p14:creationId xmlns:p14="http://schemas.microsoft.com/office/powerpoint/2010/main" val="527194644"/>
-      </p:ext>
-    </p:extLst>
-  </p:cSld>
-  <p:clrMapOvr>
-    <a:masterClrMapping/>
-  </p:clrMapOvr>
-  <p:timing>
-    <p:tnLst>
-      <p:par>
-        <p:cTn id="1" dur="indefinite" restart="never" nodeType="tmRoot">
-          <p:childTnLst>
-            <p:seq concurrent="1" nextAc="seek">
-              <p:cTn id="2" dur="indefinite" nodeType="mainSeq">
-                <p:childTnLst>
-                  <p:par>
-                    <p:cTn id="3" fill="hold">
-                      <p:stCondLst>
-                        <p:cond delay="indefinite"/>
-                      </p:stCondLst>
-                      <p:childTnLst>
-                        <p:par>
-                          <p:cTn id="4" fill="hold">
-                            <p:stCondLst>
-                              <p:cond delay="0"/>
-                            </p:stCondLst>
-                            <p:childTnLst>
-                              <p:par>
-                                <p:cTn id="5" presetID="14" presetClass="entr" presetSubtype="10" fill="hold" grpId="0" nodeType="clickEffect">
-                                  <p:stCondLst>
-                                    <p:cond delay="0"/>
-                                  </p:stCondLst>
-                                  <p:childTnLst>
-                                    <p:set>
-                                      <p:cBhvr>
-                                        <p:cTn id="6" dur="1" fill="hold">
-                                          <p:stCondLst>
-                                            <p:cond delay="0"/>
-                                          </p:stCondLst>
-                                        </p:cTn>
-                                        <p:tgtEl>
-                                          <p:spTgt spid="3">
-                                            <p:txEl>
-                                              <p:pRg st="0" end="0"/>
-                                            </p:txEl>
-                                          </p:spTgt>
-                                        </p:tgtEl>
-                                        <p:attrNameLst>
-                                          <p:attrName>style.visibility</p:attrName>
-                                        </p:attrNameLst>
-                                      </p:cBhvr>
-                                      <p:to>
-                                        <p:strVal val="visible"/>
-                                      </p:to>
-                                    </p:set>
-                                    <p:animEffect transition="in" filter="randombar(horizontal)">
-                                      <p:cBhvr>
-                                        <p:cTn id="7" dur="500"/>
-                                        <p:tgtEl>
-                                          <p:spTgt spid="3">
-                                            <p:txEl>
-                                              <p:pRg st="0" end="0"/>
-                                            </p:txEl>
-                                          </p:spTgt>
-                                        </p:tgtEl>
-                                      </p:cBhvr>
-                                    </p:animEffect>
-                                  </p:childTnLst>
-                                </p:cTn>
-                              </p:par>
-                            </p:childTnLst>
-                          </p:cTn>
-                        </p:par>
-                      </p:childTnLst>
-                    </p:cTn>
-                  </p:par>
-                  <p:par>
-                    <p:cTn id="8" fill="hold">
-                      <p:stCondLst>
-                        <p:cond delay="indefinite"/>
-                      </p:stCondLst>
-                      <p:childTnLst>
-                        <p:par>
-                          <p:cTn id="9" fill="hold">
-                            <p:stCondLst>
-                              <p:cond delay="0"/>
-                            </p:stCondLst>
-                            <p:childTnLst>
-                              <p:par>
-                                <p:cTn id="10" presetID="14" presetClass="entr" presetSubtype="10" fill="hold" grpId="0" nodeType="clickEffect">
-                                  <p:stCondLst>
-                                    <p:cond delay="0"/>
-                                  </p:stCondLst>
-                                  <p:childTnLst>
-                                    <p:set>
-                                      <p:cBhvr>
-                                        <p:cTn id="11" dur="1" fill="hold">
-                                          <p:stCondLst>
-                                            <p:cond delay="0"/>
-                                          </p:stCondLst>
-                                        </p:cTn>
-                                        <p:tgtEl>
-                                          <p:spTgt spid="3">
-                                            <p:txEl>
-                                              <p:pRg st="1" end="1"/>
-                                            </p:txEl>
-                                          </p:spTgt>
-                                        </p:tgtEl>
-                                        <p:attrNameLst>
-                                          <p:attrName>style.visibility</p:attrName>
-                                        </p:attrNameLst>
-                                      </p:cBhvr>
-                                      <p:to>
-                                        <p:strVal val="visible"/>
-                                      </p:to>
-                                    </p:set>
-                                    <p:animEffect transition="in" filter="randombar(horizontal)">
-                                      <p:cBhvr>
-                                        <p:cTn id="12" dur="500"/>
-                                        <p:tgtEl>
-                                          <p:spTgt spid="3">
-                                            <p:txEl>
-                                              <p:pRg st="1" end="1"/>
-                                            </p:txEl>
-                                          </p:spTgt>
-                                        </p:tgtEl>
-                                      </p:cBhvr>
-                                    </p:animEffect>
-                                  </p:childTnLst>
-                                </p:cTn>
-                              </p:par>
-                            </p:childTnLst>
-                          </p:cTn>
-                        </p:par>
-                      </p:childTnLst>
-                    </p:cTn>
-                  </p:par>
-                  <p:par>
-                    <p:cTn id="13" fill="hold">
-                      <p:stCondLst>
-                        <p:cond delay="indefinite"/>
-                      </p:stCondLst>
-                      <p:childTnLst>
-                        <p:par>
-                          <p:cTn id="14" fill="hold">
-                            <p:stCondLst>
-                              <p:cond delay="0"/>
-                            </p:stCondLst>
-                            <p:childTnLst>
-                              <p:par>
-                                <p:cTn id="15" presetID="14" presetClass="entr" presetSubtype="10" fill="hold" grpId="0" nodeType="clickEffect">
-                                  <p:stCondLst>
-                                    <p:cond delay="0"/>
-                                  </p:stCondLst>
-                                  <p:childTnLst>
-                                    <p:set>
-                                      <p:cBhvr>
-                                        <p:cTn id="16" dur="1" fill="hold">
-                                          <p:stCondLst>
-                                            <p:cond delay="0"/>
-                                          </p:stCondLst>
-                                        </p:cTn>
-                                        <p:tgtEl>
-                                          <p:spTgt spid="3">
-                                            <p:txEl>
-                                              <p:pRg st="2" end="2"/>
-                                            </p:txEl>
-                                          </p:spTgt>
-                                        </p:tgtEl>
-                                        <p:attrNameLst>
-                                          <p:attrName>style.visibility</p:attrName>
-                                        </p:attrNameLst>
-                                      </p:cBhvr>
-                                      <p:to>
-                                        <p:strVal val="visible"/>
-                                      </p:to>
-                                    </p:set>
-                                    <p:animEffect transition="in" filter="randombar(horizontal)">
-                                      <p:cBhvr>
-                                        <p:cTn id="17" dur="500"/>
-                                        <p:tgtEl>
-                                          <p:spTgt spid="3">
-                                            <p:txEl>
-                                              <p:pRg st="2" end="2"/>
-                                            </p:txEl>
-                                          </p:spTgt>
-                                        </p:tgtEl>
-                                      </p:cBhvr>
-                                    </p:animEffect>
-                                  </p:childTnLst>
-                                </p:cTn>
-                              </p:par>
-                            </p:childTnLst>
-                          </p:cTn>
-                        </p:par>
-                      </p:childTnLst>
-                    </p:cTn>
-                  </p:par>
-                  <p:par>
-                    <p:cTn id="18" fill="hold">
-                      <p:stCondLst>
-                        <p:cond delay="indefinite"/>
-                      </p:stCondLst>
-                      <p:childTnLst>
-                        <p:par>
-                          <p:cTn id="19" fill="hold">
-                            <p:stCondLst>
-                              <p:cond delay="0"/>
-                            </p:stCondLst>
-                            <p:childTnLst>
-                              <p:par>
-                                <p:cTn id="20" presetID="14" presetClass="entr" presetSubtype="10" fill="hold" grpId="0" nodeType="clickEffect">
-                                  <p:stCondLst>
-                                    <p:cond delay="0"/>
-                                  </p:stCondLst>
-                                  <p:childTnLst>
-                                    <p:set>
-                                      <p:cBhvr>
-                                        <p:cTn id="21" dur="1" fill="hold">
-                                          <p:stCondLst>
-                                            <p:cond delay="0"/>
-                                          </p:stCondLst>
-                                        </p:cTn>
-                                        <p:tgtEl>
-                                          <p:spTgt spid="3">
-                                            <p:txEl>
-                                              <p:pRg st="3" end="3"/>
-                                            </p:txEl>
-                                          </p:spTgt>
-                                        </p:tgtEl>
-                                        <p:attrNameLst>
-                                          <p:attrName>style.visibility</p:attrName>
-                                        </p:attrNameLst>
-                                      </p:cBhvr>
-                                      <p:to>
-                                        <p:strVal val="visible"/>
-                                      </p:to>
-                                    </p:set>
-                                    <p:animEffect transition="in" filter="randombar(horizontal)">
-                                      <p:cBhvr>
-                                        <p:cTn id="22" dur="500"/>
-                                        <p:tgtEl>
-                                          <p:spTgt spid="3">
-                                            <p:txEl>
-                                              <p:pRg st="3" end="3"/>
-                                            </p:txEl>
-                                          </p:spTgt>
-                                        </p:tgtEl>
-                                      </p:cBhvr>
-                                    </p:animEffect>
-                                  </p:childTnLst>
-                                </p:cTn>
-                              </p:par>
-                            </p:childTnLst>
-                          </p:cTn>
-                        </p:par>
-                      </p:childTnLst>
-                    </p:cTn>
-                  </p:par>
-                  <p:par>
-                    <p:cTn id="23" fill="hold">
-                      <p:stCondLst>
-                        <p:cond delay="indefinite"/>
-                      </p:stCondLst>
-                      <p:childTnLst>
-                        <p:par>
-                          <p:cTn id="24" fill="hold">
-                            <p:stCondLst>
-                              <p:cond delay="0"/>
-                            </p:stCondLst>
-                            <p:childTnLst>
-                              <p:par>
-                                <p:cTn id="25" presetID="14" presetClass="entr" presetSubtype="10" fill="hold" grpId="0" nodeType="clickEffect">
-                                  <p:stCondLst>
-                                    <p:cond delay="0"/>
-                                  </p:stCondLst>
-                                  <p:childTnLst>
-                                    <p:set>
-                                      <p:cBhvr>
-                                        <p:cTn id="26" dur="1" fill="hold">
-                                          <p:stCondLst>
-                                            <p:cond delay="0"/>
-                                          </p:stCondLst>
-                                        </p:cTn>
-                                        <p:tgtEl>
-                                          <p:spTgt spid="3">
-                                            <p:txEl>
-                                              <p:pRg st="4" end="4"/>
-                                            </p:txEl>
-                                          </p:spTgt>
-                                        </p:tgtEl>
-                                        <p:attrNameLst>
-                                          <p:attrName>style.visibility</p:attrName>
-                                        </p:attrNameLst>
-                                      </p:cBhvr>
-                                      <p:to>
-                                        <p:strVal val="visible"/>
-                                      </p:to>
-                                    </p:set>
-                                    <p:animEffect transition="in" filter="randombar(horizontal)">
-                                      <p:cBhvr>
-                                        <p:cTn id="27" dur="500"/>
-                                        <p:tgtEl>
-                                          <p:spTgt spid="3">
-                                            <p:txEl>
-                                              <p:pRg st="4" end="4"/>
-                                            </p:txEl>
-                                          </p:spTgt>
-                                        </p:tgtEl>
-                                      </p:cBhvr>
-                                    </p:animEffect>
-                                  </p:childTnLst>
-                                </p:cTn>
-                              </p:par>
-                            </p:childTnLst>
-                          </p:cTn>
-                        </p:par>
-                      </p:childTnLst>
-                    </p:cTn>
-                  </p:par>
-                  <p:par>
-                    <p:cTn id="28" fill="hold">
-                      <p:stCondLst>
-                        <p:cond delay="indefinite"/>
-                      </p:stCondLst>
-                      <p:childTnLst>
-                        <p:par>
-                          <p:cTn id="29" fill="hold">
-                            <p:stCondLst>
-                              <p:cond delay="0"/>
-                            </p:stCondLst>
-                            <p:childTnLst>
-                              <p:par>
-                                <p:cTn id="30" presetID="14" presetClass="entr" presetSubtype="10" fill="hold" grpId="0" nodeType="clickEffect">
-                                  <p:stCondLst>
-                                    <p:cond delay="0"/>
-                                  </p:stCondLst>
-                                  <p:childTnLst>
-                                    <p:set>
-                                      <p:cBhvr>
-                                        <p:cTn id="31" dur="1" fill="hold">
-                                          <p:stCondLst>
-                                            <p:cond delay="0"/>
-                                          </p:stCondLst>
-                                        </p:cTn>
-                                        <p:tgtEl>
-                                          <p:spTgt spid="3">
-                                            <p:txEl>
-                                              <p:pRg st="5" end="5"/>
-                                            </p:txEl>
-                                          </p:spTgt>
-                                        </p:tgtEl>
-                                        <p:attrNameLst>
-                                          <p:attrName>style.visibility</p:attrName>
-                                        </p:attrNameLst>
-                                      </p:cBhvr>
-                                      <p:to>
-                                        <p:strVal val="visible"/>
-                                      </p:to>
-                                    </p:set>
-                                    <p:animEffect transition="in" filter="randombar(horizontal)">
-                                      <p:cBhvr>
-                                        <p:cTn id="32" dur="500"/>
-                                        <p:tgtEl>
-                                          <p:spTgt spid="3">
-                                            <p:txEl>
-                                              <p:pRg st="5" end="5"/>
-                                            </p:txEl>
-                                          </p:spTgt>
-                                        </p:tgtEl>
-                                      </p:cBhvr>
-                                    </p:animEffect>
-                                  </p:childTnLst>
-                                </p:cTn>
-                              </p:par>
-                            </p:childTnLst>
-                          </p:cTn>
-                        </p:par>
-                        <p:par>
-                          <p:cTn id="33" fill="hold">
-                            <p:stCondLst>
-                              <p:cond delay="500"/>
-                            </p:stCondLst>
-                            <p:childTnLst>
-                              <p:par>
-                                <p:cTn id="34" presetID="14" presetClass="entr" presetSubtype="10" fill="hold" nodeType="afterEffect">
-                                  <p:stCondLst>
-                                    <p:cond delay="0"/>
-                                  </p:stCondLst>
-                                  <p:childTnLst>
-                                    <p:set>
-                                      <p:cBhvr>
-                                        <p:cTn id="35" dur="1" fill="hold">
-                                          <p:stCondLst>
-                                            <p:cond delay="0"/>
-                                          </p:stCondLst>
-                                        </p:cTn>
-                                        <p:tgtEl>
-                                          <p:spTgt spid="8"/>
-                                        </p:tgtEl>
-                                        <p:attrNameLst>
-                                          <p:attrName>style.visibility</p:attrName>
-                                        </p:attrNameLst>
-                                      </p:cBhvr>
-                                      <p:to>
-                                        <p:strVal val="visible"/>
-                                      </p:to>
-                                    </p:set>
-                                    <p:animEffect transition="in" filter="randombar(horizontal)">
-                                      <p:cBhvr>
-                                        <p:cTn id="36" dur="500"/>
-                                        <p:tgtEl>
-                                          <p:spTgt spid="8"/>
-                                        </p:tgtEl>
-                                      </p:cBhvr>
-                                    </p:animEffect>
-                                  </p:childTnLst>
-                                </p:cTn>
-                              </p:par>
-                            </p:childTnLst>
-                          </p:cTn>
-                        </p:par>
-                      </p:childTnLst>
-                    </p:cTn>
-                  </p:par>
-                </p:childTnLst>
-              </p:cTn>
-              <p:prevCondLst>
-                <p:cond evt="onPrev" delay="0">
-                  <p:tgtEl>
-                    <p:sldTgt/>
-                  </p:tgtEl>
-                </p:cond>
-              </p:prevCondLst>
-              <p:nextCondLst>
-                <p:cond evt="onNext" delay="0">
-                  <p:tgtEl>
-                    <p:sldTgt/>
-                  </p:tgtEl>
-                </p:cond>
-              </p:nextCondLst>
-            </p:seq>
-          </p:childTnLst>
-        </p:cTn>
-      </p:par>
-    </p:tnLst>
-    <p:bldLst>
-      <p:bldP spid="3" grpId="0" build="p"/>
-    </p:bldLst>
-  </p:timing>
-</p:sld>
-</file>
-
-<file path=ppt/slides/slide8.xml><?xml version="1.0" encoding="utf-8"?>
-<p:sld xmlns:a="http://schemas.openxmlformats.org/drawingml/2006/main" xmlns:r="http://schemas.openxmlformats.org/officeDocument/2006/relationships" xmlns:p="http://schemas.openxmlformats.org/presentationml/2006/main">
-  <p:cSld>
-    <p:spTree>
-      <p:nvGrpSpPr>
-        <p:cNvPr id="1" name=""/>
-        <p:cNvGrpSpPr/>
-        <p:nvPr/>
-      </p:nvGrpSpPr>
-      <p:grpSpPr>
-        <a:xfrm>
-          <a:off x="0" y="0"/>
-          <a:ext cx="0" cy="0"/>
-          <a:chOff x="0" y="0"/>
-          <a:chExt cx="0" cy="0"/>
-        </a:xfrm>
-      </p:grpSpPr>
-      <p:sp>
-        <p:nvSpPr>
-          <p:cNvPr id="2" name="タイトル 1"/>
-          <p:cNvSpPr>
-            <a:spLocks noGrp="1"/>
-          </p:cNvSpPr>
-          <p:nvPr>
-            <p:ph type="title"/>
-          </p:nvPr>
-        </p:nvSpPr>
-        <p:spPr/>
-        <p:txBody>
-          <a:bodyPr/>
-          <a:lstStyle/>
-          <a:p>
-            <a:r>
-              <a:rPr kumimoji="1" lang="ja-JP" altLang="en-US" sz="6600" dirty="0" smtClean="0"/>
-              <a:t>様々</a:t>
-            </a:r>
-            <a:r>
-              <a:rPr kumimoji="1" lang="ja-JP" altLang="en-US" sz="4000" dirty="0" smtClean="0"/>
-              <a:t>な</a:t>
-            </a:r>
-            <a:r>
-              <a:rPr kumimoji="1" lang="ja-JP" altLang="en-US" sz="6600" dirty="0" smtClean="0"/>
-              <a:t>魚</a:t>
-            </a:r>
-            <a:endParaRPr kumimoji="1" lang="ja-JP" altLang="en-US" dirty="0"/>
-          </a:p>
-        </p:txBody>
-      </p:sp>
-      <p:pic>
-        <p:nvPicPr>
-          <p:cNvPr id="5" name="コンテンツ プレースホルダー 4"/>
-          <p:cNvPicPr>
-            <a:picLocks noGrp="1" noChangeAspect="1"/>
-          </p:cNvPicPr>
-          <p:nvPr>
-            <p:ph sz="half" idx="1"/>
-          </p:nvPr>
-        </p:nvPicPr>
-        <p:blipFill>
-          <a:blip r:embed="rId2" cstate="print">
-            <a:extLst>
-              <a:ext uri="{28A0092B-C50C-407E-A947-70E740481C1C}">
-                <a14:useLocalDpi xmlns:a14="http://schemas.microsoft.com/office/drawing/2010/main" val="0"/>
-              </a:ext>
-            </a:extLst>
-          </a:blip>
-          <a:stretch>
-            <a:fillRect/>
-          </a:stretch>
-        </p:blipFill>
-        <p:spPr>
-          <a:xfrm>
-            <a:off x="1658078" y="2741325"/>
-            <a:ext cx="2200689" cy="2200689"/>
-          </a:xfrm>
-        </p:spPr>
-      </p:pic>
-      <p:pic>
-        <p:nvPicPr>
-          <p:cNvPr id="6" name="コンテンツ プレースホルダー 5"/>
-          <p:cNvPicPr>
-            <a:picLocks noGrp="1" noChangeAspect="1"/>
-          </p:cNvPicPr>
-          <p:nvPr>
-            <p:ph sz="half" idx="2"/>
-          </p:nvPr>
-        </p:nvPicPr>
-        <p:blipFill>
-          <a:blip r:embed="rId3" cstate="print">
-            <a:extLst>
-              <a:ext uri="{28A0092B-C50C-407E-A947-70E740481C1C}">
-                <a14:useLocalDpi xmlns:a14="http://schemas.microsoft.com/office/drawing/2010/main" val="0"/>
-              </a:ext>
-            </a:extLst>
-          </a:blip>
-          <a:stretch>
-            <a:fillRect/>
-          </a:stretch>
-        </p:blipFill>
-        <p:spPr>
-          <a:xfrm>
-            <a:off x="7915857" y="2917126"/>
-            <a:ext cx="2200689" cy="2200689"/>
-          </a:xfrm>
-        </p:spPr>
-      </p:pic>
-      <p:pic>
-        <p:nvPicPr>
-          <p:cNvPr id="7" name="図 6"/>
-          <p:cNvPicPr>
-            <a:picLocks noChangeAspect="1"/>
-          </p:cNvPicPr>
-          <p:nvPr/>
-        </p:nvPicPr>
-        <p:blipFill>
-          <a:blip r:embed="rId4" cstate="print">
-            <a:extLst>
-              <a:ext uri="{28A0092B-C50C-407E-A947-70E740481C1C}">
-                <a14:useLocalDpi xmlns:a14="http://schemas.microsoft.com/office/drawing/2010/main" val="0"/>
-              </a:ext>
-            </a:extLst>
-          </a:blip>
-          <a:stretch>
-            <a:fillRect/>
-          </a:stretch>
-        </p:blipFill>
-        <p:spPr>
-          <a:xfrm>
-            <a:off x="4739574" y="2741325"/>
-            <a:ext cx="2200689" cy="2200689"/>
-          </a:xfrm>
-          <a:prstGeom prst="rect">
-            <a:avLst/>
-          </a:prstGeom>
-        </p:spPr>
-      </p:pic>
-      <p:sp>
-        <p:nvSpPr>
-          <p:cNvPr id="8" name="楕円 7"/>
-          <p:cNvSpPr/>
-          <p:nvPr/>
-        </p:nvSpPr>
-        <p:spPr>
-          <a:xfrm rot="2571641">
-            <a:off x="8389052" y="3254459"/>
-            <a:ext cx="1670716" cy="822708"/>
-          </a:xfrm>
-          <a:prstGeom prst="ellipse">
-            <a:avLst/>
-          </a:prstGeom>
-          <a:noFill/>
-          <a:ln w="38100">
-            <a:solidFill>
-              <a:srgbClr val="0070C0"/>
-            </a:solidFill>
-          </a:ln>
-        </p:spPr>
-        <p:style>
-          <a:lnRef idx="2">
-            <a:schemeClr val="accent1">
-              <a:shade val="50000"/>
-            </a:schemeClr>
-          </a:lnRef>
-          <a:fillRef idx="1">
-            <a:schemeClr val="accent1"/>
-          </a:fillRef>
-          <a:effectRef idx="0">
-            <a:schemeClr val="accent1"/>
-          </a:effectRef>
-          <a:fontRef idx="minor">
-            <a:schemeClr val="lt1"/>
-          </a:fontRef>
-        </p:style>
-        <p:txBody>
-          <a:bodyPr rtlCol="0" anchor="ctr"/>
-          <a:lstStyle/>
-          <a:p>
-            <a:pPr algn="ctr"/>
-            <a:endParaRPr kumimoji="1" lang="ja-JP" altLang="en-US"/>
-          </a:p>
-        </p:txBody>
-      </p:sp>
-      <p:sp>
-        <p:nvSpPr>
-          <p:cNvPr id="9" name="楕円 8"/>
-          <p:cNvSpPr/>
-          <p:nvPr/>
-        </p:nvSpPr>
-        <p:spPr>
-          <a:xfrm>
-            <a:off x="5686072" y="2750069"/>
-            <a:ext cx="1056329" cy="1039604"/>
-          </a:xfrm>
-          <a:prstGeom prst="ellipse">
-            <a:avLst/>
-          </a:prstGeom>
-          <a:noFill/>
-          <a:ln w="38100">
-            <a:solidFill>
-              <a:srgbClr val="0070C0"/>
-            </a:solidFill>
-          </a:ln>
-        </p:spPr>
-        <p:style>
-          <a:lnRef idx="2">
-            <a:schemeClr val="accent1">
-              <a:shade val="50000"/>
-            </a:schemeClr>
-          </a:lnRef>
-          <a:fillRef idx="1">
-            <a:schemeClr val="accent1"/>
-          </a:fillRef>
-          <a:effectRef idx="0">
-            <a:schemeClr val="accent1"/>
-          </a:effectRef>
-          <a:fontRef idx="minor">
-            <a:schemeClr val="lt1"/>
-          </a:fontRef>
-        </p:style>
-        <p:txBody>
-          <a:bodyPr rtlCol="0" anchor="ctr"/>
-          <a:lstStyle/>
-          <a:p>
-            <a:pPr algn="ctr"/>
-            <a:endParaRPr kumimoji="1" lang="ja-JP" altLang="en-US"/>
-          </a:p>
-        </p:txBody>
-      </p:sp>
-      <p:sp>
-        <p:nvSpPr>
-          <p:cNvPr id="11" name="正方形/長方形 10"/>
-          <p:cNvSpPr/>
-          <p:nvPr/>
-        </p:nvSpPr>
-        <p:spPr>
-          <a:xfrm>
-            <a:off x="1638180" y="2992982"/>
-            <a:ext cx="2024575" cy="393950"/>
-          </a:xfrm>
-          <a:prstGeom prst="rect">
-            <a:avLst/>
-          </a:prstGeom>
-          <a:noFill/>
-          <a:ln w="38100">
-            <a:solidFill>
-              <a:srgbClr val="0070C0"/>
-            </a:solidFill>
-          </a:ln>
-        </p:spPr>
-        <p:style>
-          <a:lnRef idx="2">
-            <a:schemeClr val="accent1">
-              <a:shade val="50000"/>
-            </a:schemeClr>
-          </a:lnRef>
-          <a:fillRef idx="1">
-            <a:schemeClr val="accent1"/>
-          </a:fillRef>
-          <a:effectRef idx="0">
-            <a:schemeClr val="accent1"/>
-          </a:effectRef>
-          <a:fontRef idx="minor">
-            <a:schemeClr val="lt1"/>
-          </a:fontRef>
-        </p:style>
-        <p:txBody>
-          <a:bodyPr rtlCol="0" anchor="ctr"/>
-          <a:lstStyle/>
-          <a:p>
-            <a:pPr algn="ctr"/>
-            <a:endParaRPr kumimoji="1" lang="ja-JP" altLang="en-US"/>
-          </a:p>
-        </p:txBody>
-      </p:sp>
-      <p:sp>
-        <p:nvSpPr>
-          <p:cNvPr id="12" name="正方形/長方形 11"/>
-          <p:cNvSpPr/>
-          <p:nvPr/>
-        </p:nvSpPr>
-        <p:spPr>
-          <a:xfrm>
-            <a:off x="1670754" y="4420596"/>
-            <a:ext cx="2024575" cy="393950"/>
-          </a:xfrm>
-          <a:prstGeom prst="rect">
-            <a:avLst/>
-          </a:prstGeom>
-          <a:noFill/>
-          <a:ln w="38100">
-            <a:solidFill>
-              <a:srgbClr val="0070C0"/>
-            </a:solidFill>
-          </a:ln>
-        </p:spPr>
-        <p:style>
-          <a:lnRef idx="2">
-            <a:schemeClr val="accent1">
-              <a:shade val="50000"/>
-            </a:schemeClr>
-          </a:lnRef>
-          <a:fillRef idx="1">
-            <a:schemeClr val="accent1"/>
-          </a:fillRef>
-          <a:effectRef idx="0">
-            <a:schemeClr val="accent1"/>
-          </a:effectRef>
-          <a:fontRef idx="minor">
-            <a:schemeClr val="lt1"/>
-          </a:fontRef>
-        </p:style>
-        <p:txBody>
-          <a:bodyPr rtlCol="0" anchor="ctr"/>
-          <a:lstStyle/>
-          <a:p>
-            <a:pPr algn="ctr"/>
-            <a:endParaRPr kumimoji="1" lang="ja-JP" altLang="en-US"/>
-          </a:p>
-        </p:txBody>
-      </p:sp>
-      <p:sp>
-        <p:nvSpPr>
-          <p:cNvPr id="13" name="楕円 12"/>
-          <p:cNvSpPr/>
-          <p:nvPr/>
-        </p:nvSpPr>
-        <p:spPr>
-          <a:xfrm>
-            <a:off x="4739575" y="4026553"/>
-            <a:ext cx="1876202" cy="915461"/>
-          </a:xfrm>
-          <a:prstGeom prst="ellipse">
-            <a:avLst/>
-          </a:prstGeom>
-          <a:noFill/>
-          <a:ln w="38100">
-            <a:solidFill>
-              <a:srgbClr val="0070C0"/>
-            </a:solidFill>
-          </a:ln>
-        </p:spPr>
-        <p:style>
-          <a:lnRef idx="2">
-            <a:schemeClr val="accent1">
-              <a:shade val="50000"/>
-            </a:schemeClr>
-          </a:lnRef>
-          <a:fillRef idx="1">
-            <a:schemeClr val="accent1"/>
-          </a:fillRef>
-          <a:effectRef idx="0">
-            <a:schemeClr val="accent1"/>
-          </a:effectRef>
-          <a:fontRef idx="minor">
-            <a:schemeClr val="lt1"/>
-          </a:fontRef>
-        </p:style>
-        <p:txBody>
-          <a:bodyPr rtlCol="0" anchor="ctr"/>
-          <a:lstStyle/>
-          <a:p>
-            <a:pPr algn="ctr"/>
-            <a:endParaRPr kumimoji="1" lang="ja-JP" altLang="en-US"/>
-          </a:p>
-        </p:txBody>
-      </p:sp>
-      <p:cxnSp>
-        <p:nvCxnSpPr>
-          <p:cNvPr id="14" name="直線コネクタ 13"/>
-          <p:cNvCxnSpPr/>
-          <p:nvPr/>
-        </p:nvCxnSpPr>
-        <p:spPr>
-          <a:xfrm>
-            <a:off x="1275031" y="3878833"/>
-            <a:ext cx="2886730" cy="140365"/>
-          </a:xfrm>
-          <a:prstGeom prst="line">
-            <a:avLst/>
-          </a:prstGeom>
-          <a:ln w="57150">
-            <a:solidFill>
-              <a:schemeClr val="accent2">
-                <a:lumMod val="75000"/>
-              </a:schemeClr>
-            </a:solidFill>
-          </a:ln>
-        </p:spPr>
-        <p:style>
-          <a:lnRef idx="1">
-            <a:schemeClr val="accent1"/>
-          </a:lnRef>
-          <a:fillRef idx="0">
-            <a:schemeClr val="accent1"/>
-          </a:fillRef>
-          <a:effectRef idx="0">
-            <a:schemeClr val="accent1"/>
-          </a:effectRef>
-          <a:fontRef idx="minor">
-            <a:schemeClr val="tx1"/>
-          </a:fontRef>
-        </p:style>
-      </p:cxnSp>
-      <p:cxnSp>
-        <p:nvCxnSpPr>
-          <p:cNvPr id="15" name="直線コネクタ 14"/>
-          <p:cNvCxnSpPr/>
-          <p:nvPr/>
-        </p:nvCxnSpPr>
-        <p:spPr>
-          <a:xfrm>
-            <a:off x="4724124" y="3789673"/>
-            <a:ext cx="2344978" cy="236880"/>
-          </a:xfrm>
-          <a:prstGeom prst="line">
-            <a:avLst/>
-          </a:prstGeom>
-          <a:ln w="57150">
-            <a:solidFill>
-              <a:schemeClr val="accent2">
-                <a:lumMod val="75000"/>
-              </a:schemeClr>
-            </a:solidFill>
-          </a:ln>
-        </p:spPr>
-        <p:style>
-          <a:lnRef idx="1">
-            <a:schemeClr val="accent1"/>
-          </a:lnRef>
-          <a:fillRef idx="0">
-            <a:schemeClr val="accent1"/>
-          </a:fillRef>
-          <a:effectRef idx="0">
-            <a:schemeClr val="accent1"/>
-          </a:effectRef>
-          <a:fontRef idx="minor">
-            <a:schemeClr val="tx1"/>
-          </a:fontRef>
-        </p:style>
-      </p:cxnSp>
-      <p:cxnSp>
-        <p:nvCxnSpPr>
-          <p:cNvPr id="16" name="直線コネクタ 15"/>
-          <p:cNvCxnSpPr/>
-          <p:nvPr/>
-        </p:nvCxnSpPr>
-        <p:spPr>
-          <a:xfrm>
-            <a:off x="7802377" y="3490012"/>
-            <a:ext cx="2427647" cy="1452002"/>
-          </a:xfrm>
-          <a:prstGeom prst="line">
-            <a:avLst/>
-          </a:prstGeom>
-          <a:ln w="57150">
-            <a:solidFill>
-              <a:schemeClr val="accent2">
-                <a:lumMod val="75000"/>
-              </a:schemeClr>
-            </a:solidFill>
-          </a:ln>
-        </p:spPr>
-        <p:style>
-          <a:lnRef idx="1">
-            <a:schemeClr val="accent1"/>
-          </a:lnRef>
-          <a:fillRef idx="0">
-            <a:schemeClr val="accent1"/>
-          </a:fillRef>
-          <a:effectRef idx="0">
-            <a:schemeClr val="accent1"/>
-          </a:effectRef>
-          <a:fontRef idx="minor">
-            <a:schemeClr val="tx1"/>
-          </a:fontRef>
-        </p:style>
-      </p:cxnSp>
-      <p:pic>
-        <p:nvPicPr>
-          <p:cNvPr id="26" name="図 25"/>
-          <p:cNvPicPr>
-            <a:picLocks noChangeAspect="1"/>
-          </p:cNvPicPr>
-          <p:nvPr/>
-        </p:nvPicPr>
-        <p:blipFill>
-          <a:blip r:embed="rId5" cstate="print">
-            <a:extLst>
-              <a:ext uri="{28A0092B-C50C-407E-A947-70E740481C1C}">
-                <a14:useLocalDpi xmlns:a14="http://schemas.microsoft.com/office/drawing/2010/main" val="0"/>
-              </a:ext>
-            </a:extLst>
-          </a:blip>
-          <a:stretch>
-            <a:fillRect/>
-          </a:stretch>
-        </p:blipFill>
-        <p:spPr>
-          <a:xfrm>
-            <a:off x="1544609" y="2632594"/>
-            <a:ext cx="2314158" cy="2314158"/>
-          </a:xfrm>
-          <a:prstGeom prst="rect">
-            <a:avLst/>
-          </a:prstGeom>
-        </p:spPr>
-      </p:pic>
-      <p:pic>
-        <p:nvPicPr>
-          <p:cNvPr id="27" name="図 26"/>
-          <p:cNvPicPr>
-            <a:picLocks noChangeAspect="1"/>
-          </p:cNvPicPr>
-          <p:nvPr/>
-        </p:nvPicPr>
-        <p:blipFill>
-          <a:blip r:embed="rId6">
-            <a:extLst>
-              <a:ext uri="{28A0092B-C50C-407E-A947-70E740481C1C}">
-                <a14:useLocalDpi xmlns:a14="http://schemas.microsoft.com/office/drawing/2010/main" val="0"/>
-              </a:ext>
-            </a:extLst>
-          </a:blip>
-          <a:stretch>
-            <a:fillRect/>
-          </a:stretch>
-        </p:blipFill>
-        <p:spPr>
-          <a:xfrm>
-            <a:off x="7873498" y="2663457"/>
-            <a:ext cx="2218788" cy="2218788"/>
-          </a:xfrm>
-          <a:prstGeom prst="rect">
-            <a:avLst/>
-          </a:prstGeom>
-        </p:spPr>
-      </p:pic>
-      <p:pic>
-        <p:nvPicPr>
-          <p:cNvPr id="28" name="図 27"/>
-          <p:cNvPicPr>
-            <a:picLocks noChangeAspect="1"/>
-          </p:cNvPicPr>
-          <p:nvPr/>
-        </p:nvPicPr>
-        <p:blipFill>
-          <a:blip r:embed="rId7" cstate="print">
-            <a:extLst>
-              <a:ext uri="{28A0092B-C50C-407E-A947-70E740481C1C}">
-                <a14:useLocalDpi xmlns:a14="http://schemas.microsoft.com/office/drawing/2010/main" val="0"/>
-              </a:ext>
-            </a:extLst>
-          </a:blip>
-          <a:stretch>
-            <a:fillRect/>
-          </a:stretch>
-        </p:blipFill>
-        <p:spPr>
-          <a:xfrm>
-            <a:off x="4733142" y="2655684"/>
-            <a:ext cx="2234335" cy="2234335"/>
-          </a:xfrm>
-          <a:prstGeom prst="rect">
-            <a:avLst/>
-          </a:prstGeom>
-        </p:spPr>
-      </p:pic>
-      <p:pic>
-        <p:nvPicPr>
-          <p:cNvPr id="25" name="図 24"/>
-          <p:cNvPicPr>
-            <a:picLocks noChangeAspect="1"/>
-          </p:cNvPicPr>
-          <p:nvPr/>
-        </p:nvPicPr>
-        <p:blipFill>
-          <a:blip r:embed="rId8">
-            <a:extLst>
-              <a:ext uri="{28A0092B-C50C-407E-A947-70E740481C1C}">
-                <a14:useLocalDpi xmlns:a14="http://schemas.microsoft.com/office/drawing/2010/main" val="0"/>
-              </a:ext>
-            </a:extLst>
-          </a:blip>
-          <a:stretch>
-            <a:fillRect/>
-          </a:stretch>
-        </p:blipFill>
-        <p:spPr>
-          <a:xfrm>
-            <a:off x="7865274" y="2992982"/>
-            <a:ext cx="2235236" cy="2235236"/>
-          </a:xfrm>
-          <a:prstGeom prst="rect">
-            <a:avLst/>
-          </a:prstGeom>
-        </p:spPr>
-      </p:pic>
-      <p:pic>
-        <p:nvPicPr>
-          <p:cNvPr id="24" name="図 23"/>
-          <p:cNvPicPr>
-            <a:picLocks noChangeAspect="1"/>
-          </p:cNvPicPr>
-          <p:nvPr/>
-        </p:nvPicPr>
-        <p:blipFill>
-          <a:blip r:embed="rId9">
-            <a:extLst>
-              <a:ext uri="{28A0092B-C50C-407E-A947-70E740481C1C}">
-                <a14:useLocalDpi xmlns:a14="http://schemas.microsoft.com/office/drawing/2010/main" val="0"/>
-              </a:ext>
-            </a:extLst>
-          </a:blip>
-          <a:stretch>
-            <a:fillRect/>
-          </a:stretch>
-        </p:blipFill>
-        <p:spPr>
-          <a:xfrm>
-            <a:off x="3504307" y="1997449"/>
-            <a:ext cx="5419858" cy="3584448"/>
-          </a:xfrm>
-          <a:prstGeom prst="rect">
-            <a:avLst/>
-          </a:prstGeom>
-        </p:spPr>
-      </p:pic>
-    </p:spTree>
-    <p:extLst>
-      <p:ext uri="{BB962C8B-B14F-4D97-AF65-F5344CB8AC3E}">
-        <p14:creationId xmlns:p14="http://schemas.microsoft.com/office/powerpoint/2010/main" val="3761124011"/>
-      </p:ext>
-    </p:extLst>
-  </p:cSld>
-  <p:clrMapOvr>
-    <a:masterClrMapping/>
-  </p:clrMapOvr>
-  <mc:AlternateContent xmlns:mc="http://schemas.openxmlformats.org/markup-compatibility/2006" xmlns:p14="http://schemas.microsoft.com/office/powerpoint/2010/main">
-    <mc:Choice Requires="p14">
-      <p:transition spd="slow">
-        <p14:reveal/>
-      </p:transition>
-    </mc:Choice>
-    <mc:Fallback xmlns="">
-      <p:transition spd="slow">
-        <p:fade/>
-      </p:transition>
-    </mc:Fallback>
-  </mc:AlternateContent>
-  <p:timing>
-    <p:tnLst>
-      <p:par>
-        <p:cTn id="1" dur="indefinite" restart="never" nodeType="tmRoot">
-          <p:childTnLst>
-            <p:seq concurrent="1" nextAc="seek">
-              <p:cTn id="2" dur="indefinite" nodeType="mainSeq">
-                <p:childTnLst>
-                  <p:par>
-                    <p:cTn id="3" fill="hold">
-                      <p:stCondLst>
-                        <p:cond delay="indefinite"/>
-                      </p:stCondLst>
-                      <p:childTnLst>
-                        <p:par>
-                          <p:cTn id="4" fill="hold">
-                            <p:stCondLst>
-                              <p:cond delay="0"/>
-                            </p:stCondLst>
-                            <p:childTnLst>
-                              <p:par>
-                                <p:cTn id="5" presetID="14" presetClass="exit" presetSubtype="10" fill="hold" nodeType="clickEffect">
-                                  <p:stCondLst>
-                                    <p:cond delay="0"/>
-                                  </p:stCondLst>
-                                  <p:childTnLst>
-                                    <p:animEffect transition="out" filter="randombar(horizontal)">
-                                      <p:cBhvr>
-                                        <p:cTn id="6" dur="500"/>
-                                        <p:tgtEl>
-                                          <p:spTgt spid="5"/>
-                                        </p:tgtEl>
-                                      </p:cBhvr>
-                                    </p:animEffect>
-                                    <p:set>
-                                      <p:cBhvr>
-                                        <p:cTn id="7" dur="1" fill="hold">
-                                          <p:stCondLst>
-                                            <p:cond delay="499"/>
-                                          </p:stCondLst>
-                                        </p:cTn>
-                                        <p:tgtEl>
-                                          <p:spTgt spid="5"/>
-                                        </p:tgtEl>
-                                        <p:attrNameLst>
-                                          <p:attrName>style.visibility</p:attrName>
-                                        </p:attrNameLst>
-                                      </p:cBhvr>
-                                      <p:to>
-                                        <p:strVal val="hidden"/>
-                                      </p:to>
-                                    </p:set>
-                                  </p:childTnLst>
-                                </p:cTn>
-                              </p:par>
-                              <p:par>
-                                <p:cTn id="8" presetID="14" presetClass="exit" presetSubtype="10" fill="hold" nodeType="withEffect">
-                                  <p:stCondLst>
-                                    <p:cond delay="0"/>
-                                  </p:stCondLst>
-                                  <p:childTnLst>
-                                    <p:animEffect transition="out" filter="randombar(horizontal)">
-                                      <p:cBhvr>
-                                        <p:cTn id="9" dur="500"/>
-                                        <p:tgtEl>
-                                          <p:spTgt spid="6"/>
-                                        </p:tgtEl>
-                                      </p:cBhvr>
-                                    </p:animEffect>
-                                    <p:set>
-                                      <p:cBhvr>
-                                        <p:cTn id="10" dur="1" fill="hold">
-                                          <p:stCondLst>
-                                            <p:cond delay="499"/>
-                                          </p:stCondLst>
-                                        </p:cTn>
-                                        <p:tgtEl>
-                                          <p:spTgt spid="6"/>
-                                        </p:tgtEl>
-                                        <p:attrNameLst>
-                                          <p:attrName>style.visibility</p:attrName>
-                                        </p:attrNameLst>
-                                      </p:cBhvr>
-                                      <p:to>
-                                        <p:strVal val="hidden"/>
-                                      </p:to>
-                                    </p:set>
-                                  </p:childTnLst>
-                                </p:cTn>
-                              </p:par>
-                              <p:par>
-                                <p:cTn id="11" presetID="14" presetClass="exit" presetSubtype="10" fill="hold" nodeType="withEffect">
-                                  <p:stCondLst>
-                                    <p:cond delay="0"/>
-                                  </p:stCondLst>
-                                  <p:childTnLst>
-                                    <p:animEffect transition="out" filter="randombar(horizontal)">
-                                      <p:cBhvr>
-                                        <p:cTn id="12" dur="500"/>
-                                        <p:tgtEl>
-                                          <p:spTgt spid="7"/>
-                                        </p:tgtEl>
-                                      </p:cBhvr>
-                                    </p:animEffect>
-                                    <p:set>
-                                      <p:cBhvr>
-                                        <p:cTn id="13" dur="1" fill="hold">
-                                          <p:stCondLst>
-                                            <p:cond delay="499"/>
-                                          </p:stCondLst>
-                                        </p:cTn>
-                                        <p:tgtEl>
-                                          <p:spTgt spid="7"/>
-                                        </p:tgtEl>
-                                        <p:attrNameLst>
-                                          <p:attrName>style.visibility</p:attrName>
-                                        </p:attrNameLst>
-                                      </p:cBhvr>
-                                      <p:to>
-                                        <p:strVal val="hidden"/>
-                                      </p:to>
-                                    </p:set>
-                                  </p:childTnLst>
-                                </p:cTn>
-                              </p:par>
-                              <p:par>
-                                <p:cTn id="14" presetID="14" presetClass="exit" presetSubtype="10" fill="hold" grpId="0" nodeType="withEffect">
-                                  <p:stCondLst>
-                                    <p:cond delay="0"/>
-                                  </p:stCondLst>
-                                  <p:childTnLst>
-                                    <p:animEffect transition="out" filter="randombar(horizontal)">
-                                      <p:cBhvr>
-                                        <p:cTn id="15" dur="500"/>
-                                        <p:tgtEl>
-                                          <p:spTgt spid="8"/>
-                                        </p:tgtEl>
-                                      </p:cBhvr>
-                                    </p:animEffect>
-                                    <p:set>
-                                      <p:cBhvr>
-                                        <p:cTn id="16" dur="1" fill="hold">
-                                          <p:stCondLst>
-                                            <p:cond delay="499"/>
-                                          </p:stCondLst>
-                                        </p:cTn>
-                                        <p:tgtEl>
-                                          <p:spTgt spid="8"/>
-                                        </p:tgtEl>
-                                        <p:attrNameLst>
-                                          <p:attrName>style.visibility</p:attrName>
-                                        </p:attrNameLst>
-                                      </p:cBhvr>
-                                      <p:to>
-                                        <p:strVal val="hidden"/>
-                                      </p:to>
-                                    </p:set>
-                                  </p:childTnLst>
-                                </p:cTn>
-                              </p:par>
-                              <p:par>
-                                <p:cTn id="17" presetID="14" presetClass="exit" presetSubtype="10" fill="hold" grpId="0" nodeType="withEffect">
-                                  <p:stCondLst>
-                                    <p:cond delay="0"/>
-                                  </p:stCondLst>
-                                  <p:childTnLst>
-                                    <p:animEffect transition="out" filter="randombar(horizontal)">
-                                      <p:cBhvr>
-                                        <p:cTn id="18" dur="500"/>
-                                        <p:tgtEl>
-                                          <p:spTgt spid="9"/>
-                                        </p:tgtEl>
-                                      </p:cBhvr>
-                                    </p:animEffect>
-                                    <p:set>
-                                      <p:cBhvr>
-                                        <p:cTn id="19" dur="1" fill="hold">
-                                          <p:stCondLst>
-                                            <p:cond delay="499"/>
-                                          </p:stCondLst>
-                                        </p:cTn>
-                                        <p:tgtEl>
-                                          <p:spTgt spid="9"/>
-                                        </p:tgtEl>
-                                        <p:attrNameLst>
-                                          <p:attrName>style.visibility</p:attrName>
-                                        </p:attrNameLst>
-                                      </p:cBhvr>
-                                      <p:to>
-                                        <p:strVal val="hidden"/>
-                                      </p:to>
-                                    </p:set>
-                                  </p:childTnLst>
-                                </p:cTn>
-                              </p:par>
-                              <p:par>
-                                <p:cTn id="20" presetID="14" presetClass="exit" presetSubtype="10" fill="hold" grpId="0" nodeType="withEffect">
-                                  <p:stCondLst>
-                                    <p:cond delay="0"/>
-                                  </p:stCondLst>
-                                  <p:childTnLst>
-                                    <p:animEffect transition="out" filter="randombar(horizontal)">
-                                      <p:cBhvr>
-                                        <p:cTn id="21" dur="500"/>
-                                        <p:tgtEl>
-                                          <p:spTgt spid="11"/>
-                                        </p:tgtEl>
-                                      </p:cBhvr>
-                                    </p:animEffect>
-                                    <p:set>
-                                      <p:cBhvr>
-                                        <p:cTn id="22" dur="1" fill="hold">
-                                          <p:stCondLst>
-                                            <p:cond delay="499"/>
-                                          </p:stCondLst>
-                                        </p:cTn>
-                                        <p:tgtEl>
-                                          <p:spTgt spid="11"/>
-                                        </p:tgtEl>
-                                        <p:attrNameLst>
-                                          <p:attrName>style.visibility</p:attrName>
-                                        </p:attrNameLst>
-                                      </p:cBhvr>
-                                      <p:to>
-                                        <p:strVal val="hidden"/>
-                                      </p:to>
-                                    </p:set>
-                                  </p:childTnLst>
-                                </p:cTn>
-                              </p:par>
-                              <p:par>
-                                <p:cTn id="23" presetID="14" presetClass="exit" presetSubtype="10" fill="hold" grpId="0" nodeType="withEffect">
-                                  <p:stCondLst>
-                                    <p:cond delay="0"/>
-                                  </p:stCondLst>
-                                  <p:childTnLst>
-                                    <p:animEffect transition="out" filter="randombar(horizontal)">
-                                      <p:cBhvr>
-                                        <p:cTn id="24" dur="500"/>
-                                        <p:tgtEl>
-                                          <p:spTgt spid="12"/>
-                                        </p:tgtEl>
-                                      </p:cBhvr>
-                                    </p:animEffect>
-                                    <p:set>
-                                      <p:cBhvr>
-                                        <p:cTn id="25" dur="1" fill="hold">
-                                          <p:stCondLst>
-                                            <p:cond delay="499"/>
-                                          </p:stCondLst>
-                                        </p:cTn>
-                                        <p:tgtEl>
-                                          <p:spTgt spid="12"/>
-                                        </p:tgtEl>
-                                        <p:attrNameLst>
-                                          <p:attrName>style.visibility</p:attrName>
-                                        </p:attrNameLst>
-                                      </p:cBhvr>
-                                      <p:to>
-                                        <p:strVal val="hidden"/>
-                                      </p:to>
-                                    </p:set>
-                                  </p:childTnLst>
-                                </p:cTn>
-                              </p:par>
-                              <p:par>
-                                <p:cTn id="26" presetID="14" presetClass="exit" presetSubtype="10" fill="hold" grpId="0" nodeType="withEffect">
-                                  <p:stCondLst>
-                                    <p:cond delay="0"/>
-                                  </p:stCondLst>
-                                  <p:childTnLst>
-                                    <p:animEffect transition="out" filter="randombar(horizontal)">
-                                      <p:cBhvr>
-                                        <p:cTn id="27" dur="500"/>
-                                        <p:tgtEl>
-                                          <p:spTgt spid="13"/>
-                                        </p:tgtEl>
-                                      </p:cBhvr>
-                                    </p:animEffect>
-                                    <p:set>
-                                      <p:cBhvr>
-                                        <p:cTn id="28" dur="1" fill="hold">
-                                          <p:stCondLst>
-                                            <p:cond delay="499"/>
-                                          </p:stCondLst>
-                                        </p:cTn>
-                                        <p:tgtEl>
-                                          <p:spTgt spid="13"/>
-                                        </p:tgtEl>
-                                        <p:attrNameLst>
-                                          <p:attrName>style.visibility</p:attrName>
-                                        </p:attrNameLst>
-                                      </p:cBhvr>
-                                      <p:to>
-                                        <p:strVal val="hidden"/>
-                                      </p:to>
-                                    </p:set>
-                                  </p:childTnLst>
-                                </p:cTn>
-                              </p:par>
-                              <p:par>
-                                <p:cTn id="29" presetID="14" presetClass="exit" presetSubtype="10" fill="hold" nodeType="withEffect">
-                                  <p:stCondLst>
-                                    <p:cond delay="0"/>
-                                  </p:stCondLst>
-                                  <p:childTnLst>
-                                    <p:animEffect transition="out" filter="randombar(horizontal)">
-                                      <p:cBhvr>
-                                        <p:cTn id="30" dur="500"/>
-                                        <p:tgtEl>
-                                          <p:spTgt spid="14"/>
-                                        </p:tgtEl>
-                                      </p:cBhvr>
-                                    </p:animEffect>
-                                    <p:set>
-                                      <p:cBhvr>
-                                        <p:cTn id="31" dur="1" fill="hold">
-                                          <p:stCondLst>
-                                            <p:cond delay="499"/>
-                                          </p:stCondLst>
-                                        </p:cTn>
-                                        <p:tgtEl>
-                                          <p:spTgt spid="14"/>
-                                        </p:tgtEl>
-                                        <p:attrNameLst>
-                                          <p:attrName>style.visibility</p:attrName>
-                                        </p:attrNameLst>
-                                      </p:cBhvr>
-                                      <p:to>
-                                        <p:strVal val="hidden"/>
-                                      </p:to>
-                                    </p:set>
-                                  </p:childTnLst>
-                                </p:cTn>
-                              </p:par>
-                              <p:par>
-                                <p:cTn id="32" presetID="14" presetClass="exit" presetSubtype="10" fill="hold" nodeType="withEffect">
-                                  <p:stCondLst>
-                                    <p:cond delay="0"/>
-                                  </p:stCondLst>
-                                  <p:childTnLst>
-                                    <p:animEffect transition="out" filter="randombar(horizontal)">
-                                      <p:cBhvr>
-                                        <p:cTn id="33" dur="500"/>
-                                        <p:tgtEl>
-                                          <p:spTgt spid="15"/>
-                                        </p:tgtEl>
-                                      </p:cBhvr>
-                                    </p:animEffect>
-                                    <p:set>
-                                      <p:cBhvr>
-                                        <p:cTn id="34" dur="1" fill="hold">
-                                          <p:stCondLst>
-                                            <p:cond delay="499"/>
-                                          </p:stCondLst>
-                                        </p:cTn>
-                                        <p:tgtEl>
-                                          <p:spTgt spid="15"/>
-                                        </p:tgtEl>
-                                        <p:attrNameLst>
-                                          <p:attrName>style.visibility</p:attrName>
-                                        </p:attrNameLst>
-                                      </p:cBhvr>
-                                      <p:to>
-                                        <p:strVal val="hidden"/>
-                                      </p:to>
-                                    </p:set>
-                                  </p:childTnLst>
-                                </p:cTn>
-                              </p:par>
-                              <p:par>
-                                <p:cTn id="35" presetID="14" presetClass="exit" presetSubtype="10" fill="hold" nodeType="withEffect">
-                                  <p:stCondLst>
-                                    <p:cond delay="0"/>
-                                  </p:stCondLst>
-                                  <p:childTnLst>
-                                    <p:animEffect transition="out" filter="randombar(horizontal)">
-                                      <p:cBhvr>
-                                        <p:cTn id="36" dur="500"/>
-                                        <p:tgtEl>
-                                          <p:spTgt spid="16"/>
-                                        </p:tgtEl>
-                                      </p:cBhvr>
-                                    </p:animEffect>
-                                    <p:set>
-                                      <p:cBhvr>
-                                        <p:cTn id="37" dur="1" fill="hold">
-                                          <p:stCondLst>
-                                            <p:cond delay="499"/>
-                                          </p:stCondLst>
-                                        </p:cTn>
-                                        <p:tgtEl>
-                                          <p:spTgt spid="16"/>
-                                        </p:tgtEl>
-                                        <p:attrNameLst>
-                                          <p:attrName>style.visibility</p:attrName>
-                                        </p:attrNameLst>
-                                      </p:cBhvr>
-                                      <p:to>
-                                        <p:strVal val="hidden"/>
-                                      </p:to>
-                                    </p:set>
-                                  </p:childTnLst>
-                                </p:cTn>
-                              </p:par>
-                            </p:childTnLst>
-                          </p:cTn>
-                        </p:par>
-                        <p:par>
-                          <p:cTn id="38" fill="hold">
-                            <p:stCondLst>
-                              <p:cond delay="500"/>
-                            </p:stCondLst>
-                            <p:childTnLst>
-                              <p:par>
-                                <p:cTn id="39" presetID="14" presetClass="entr" presetSubtype="10" fill="hold" nodeType="afterEffect">
-                                  <p:stCondLst>
-                                    <p:cond delay="0"/>
-                                  </p:stCondLst>
-                                  <p:childTnLst>
-                                    <p:set>
-                                      <p:cBhvr>
-                                        <p:cTn id="40" dur="1" fill="hold">
-                                          <p:stCondLst>
-                                            <p:cond delay="0"/>
-                                          </p:stCondLst>
-                                        </p:cTn>
-                                        <p:tgtEl>
-                                          <p:spTgt spid="27"/>
-                                        </p:tgtEl>
-                                        <p:attrNameLst>
-                                          <p:attrName>style.visibility</p:attrName>
-                                        </p:attrNameLst>
-                                      </p:cBhvr>
-                                      <p:to>
-                                        <p:strVal val="visible"/>
-                                      </p:to>
-                                    </p:set>
-                                    <p:animEffect transition="in" filter="randombar(horizontal)">
-                                      <p:cBhvr>
-                                        <p:cTn id="41" dur="500"/>
-                                        <p:tgtEl>
-                                          <p:spTgt spid="27"/>
-                                        </p:tgtEl>
-                                      </p:cBhvr>
-                                    </p:animEffect>
-                                  </p:childTnLst>
-                                </p:cTn>
-                              </p:par>
-                              <p:par>
-                                <p:cTn id="42" presetID="14" presetClass="entr" presetSubtype="10" fill="hold" nodeType="withEffect">
-                                  <p:stCondLst>
-                                    <p:cond delay="0"/>
-                                  </p:stCondLst>
-                                  <p:childTnLst>
-                                    <p:set>
-                                      <p:cBhvr>
-                                        <p:cTn id="43" dur="1" fill="hold">
-                                          <p:stCondLst>
-                                            <p:cond delay="0"/>
-                                          </p:stCondLst>
-                                        </p:cTn>
-                                        <p:tgtEl>
-                                          <p:spTgt spid="28"/>
-                                        </p:tgtEl>
-                                        <p:attrNameLst>
-                                          <p:attrName>style.visibility</p:attrName>
-                                        </p:attrNameLst>
-                                      </p:cBhvr>
-                                      <p:to>
-                                        <p:strVal val="visible"/>
-                                      </p:to>
-                                    </p:set>
-                                    <p:animEffect transition="in" filter="randombar(horizontal)">
-                                      <p:cBhvr>
-                                        <p:cTn id="44" dur="500"/>
-                                        <p:tgtEl>
-                                          <p:spTgt spid="28"/>
-                                        </p:tgtEl>
-                                      </p:cBhvr>
-                                    </p:animEffect>
-                                  </p:childTnLst>
-                                </p:cTn>
-                              </p:par>
-                              <p:par>
-                                <p:cTn id="45" presetID="14" presetClass="entr" presetSubtype="10" fill="hold" nodeType="withEffect">
-                                  <p:stCondLst>
-                                    <p:cond delay="0"/>
-                                  </p:stCondLst>
-                                  <p:childTnLst>
-                                    <p:set>
-                                      <p:cBhvr>
-                                        <p:cTn id="46" dur="1" fill="hold">
-                                          <p:stCondLst>
-                                            <p:cond delay="0"/>
-                                          </p:stCondLst>
-                                        </p:cTn>
-                                        <p:tgtEl>
-                                          <p:spTgt spid="26"/>
-                                        </p:tgtEl>
-                                        <p:attrNameLst>
-                                          <p:attrName>style.visibility</p:attrName>
-                                        </p:attrNameLst>
-                                      </p:cBhvr>
-                                      <p:to>
-                                        <p:strVal val="visible"/>
-                                      </p:to>
-                                    </p:set>
-                                    <p:animEffect transition="in" filter="randombar(horizontal)">
-                                      <p:cBhvr>
-                                        <p:cTn id="47" dur="500"/>
-                                        <p:tgtEl>
-                                          <p:spTgt spid="26"/>
-                                        </p:tgtEl>
-                                      </p:cBhvr>
-                                    </p:animEffect>
-                                  </p:childTnLst>
-                                </p:cTn>
-                              </p:par>
-                            </p:childTnLst>
-                          </p:cTn>
-                        </p:par>
-                      </p:childTnLst>
-                    </p:cTn>
-                  </p:par>
-                  <p:par>
-                    <p:cTn id="48" fill="hold">
-                      <p:stCondLst>
-                        <p:cond delay="indefinite"/>
-                      </p:stCondLst>
-                      <p:childTnLst>
-                        <p:par>
-                          <p:cTn id="49" fill="hold">
-                            <p:stCondLst>
-                              <p:cond delay="0"/>
-                            </p:stCondLst>
-                            <p:childTnLst>
-                              <p:par>
-                                <p:cTn id="50" presetID="53" presetClass="entr" presetSubtype="16" fill="hold" nodeType="clickEffect">
-                                  <p:stCondLst>
-                                    <p:cond delay="0"/>
-                                  </p:stCondLst>
-                                  <p:childTnLst>
-                                    <p:set>
-                                      <p:cBhvr>
-                                        <p:cTn id="51" dur="1" fill="hold">
-                                          <p:stCondLst>
-                                            <p:cond delay="0"/>
-                                          </p:stCondLst>
-                                        </p:cTn>
-                                        <p:tgtEl>
-                                          <p:spTgt spid="24"/>
-                                        </p:tgtEl>
-                                        <p:attrNameLst>
-                                          <p:attrName>style.visibility</p:attrName>
-                                        </p:attrNameLst>
-                                      </p:cBhvr>
-                                      <p:to>
-                                        <p:strVal val="visible"/>
-                                      </p:to>
-                                    </p:set>
-                                    <p:anim calcmode="lin" valueType="num">
-                                      <p:cBhvr>
-                                        <p:cTn id="52" dur="500" fill="hold"/>
-                                        <p:tgtEl>
-                                          <p:spTgt spid="24"/>
-                                        </p:tgtEl>
-                                        <p:attrNameLst>
-                                          <p:attrName>ppt_w</p:attrName>
-                                        </p:attrNameLst>
-                                      </p:cBhvr>
-                                      <p:tavLst>
-                                        <p:tav tm="0">
-                                          <p:val>
-                                            <p:fltVal val="0"/>
-                                          </p:val>
-                                        </p:tav>
-                                        <p:tav tm="100000">
-                                          <p:val>
-                                            <p:strVal val="#ppt_w"/>
-                                          </p:val>
-                                        </p:tav>
-                                      </p:tavLst>
-                                    </p:anim>
-                                    <p:anim calcmode="lin" valueType="num">
-                                      <p:cBhvr>
-                                        <p:cTn id="53" dur="500" fill="hold"/>
-                                        <p:tgtEl>
-                                          <p:spTgt spid="24"/>
-                                        </p:tgtEl>
-                                        <p:attrNameLst>
-                                          <p:attrName>ppt_h</p:attrName>
-                                        </p:attrNameLst>
-                                      </p:cBhvr>
-                                      <p:tavLst>
-                                        <p:tav tm="0">
-                                          <p:val>
-                                            <p:fltVal val="0"/>
-                                          </p:val>
-                                        </p:tav>
-                                        <p:tav tm="100000">
-                                          <p:val>
-                                            <p:strVal val="#ppt_h"/>
-                                          </p:val>
-                                        </p:tav>
-                                      </p:tavLst>
-                                    </p:anim>
-                                    <p:animEffect transition="in" filter="fade">
-                                      <p:cBhvr>
-                                        <p:cTn id="54" dur="500"/>
-                                        <p:tgtEl>
-                                          <p:spTgt spid="24"/>
-                                        </p:tgtEl>
-                                      </p:cBhvr>
-                                    </p:animEffect>
-                                  </p:childTnLst>
-                                </p:cTn>
-                              </p:par>
-                            </p:childTnLst>
-                          </p:cTn>
-                        </p:par>
-                      </p:childTnLst>
-                    </p:cTn>
-                  </p:par>
-                  <p:par>
-                    <p:cTn id="55" fill="hold">
-                      <p:stCondLst>
-                        <p:cond delay="indefinite"/>
-                      </p:stCondLst>
-                      <p:childTnLst>
-                        <p:par>
-                          <p:cTn id="56" fill="hold">
-                            <p:stCondLst>
-                              <p:cond delay="0"/>
-                            </p:stCondLst>
-                            <p:childTnLst>
-                              <p:par>
-                                <p:cTn id="57" presetID="14" presetClass="exit" presetSubtype="10" fill="hold" nodeType="clickEffect">
-                                  <p:stCondLst>
-                                    <p:cond delay="0"/>
-                                  </p:stCondLst>
-                                  <p:childTnLst>
-                                    <p:animEffect transition="out" filter="randombar(horizontal)">
-                                      <p:cBhvr>
-                                        <p:cTn id="58" dur="500"/>
-                                        <p:tgtEl>
-                                          <p:spTgt spid="27"/>
-                                        </p:tgtEl>
-                                      </p:cBhvr>
-                                    </p:animEffect>
-                                    <p:set>
-                                      <p:cBhvr>
-                                        <p:cTn id="59" dur="1" fill="hold">
-                                          <p:stCondLst>
-                                            <p:cond delay="499"/>
-                                          </p:stCondLst>
-                                        </p:cTn>
-                                        <p:tgtEl>
-                                          <p:spTgt spid="27"/>
-                                        </p:tgtEl>
-                                        <p:attrNameLst>
-                                          <p:attrName>style.visibility</p:attrName>
-                                        </p:attrNameLst>
-                                      </p:cBhvr>
-                                      <p:to>
-                                        <p:strVal val="hidden"/>
-                                      </p:to>
-                                    </p:set>
-                                  </p:childTnLst>
-                                </p:cTn>
-                              </p:par>
-                              <p:par>
-                                <p:cTn id="60" presetID="14" presetClass="entr" presetSubtype="10" fill="hold" nodeType="withEffect">
-                                  <p:stCondLst>
-                                    <p:cond delay="0"/>
-                                  </p:stCondLst>
-                                  <p:childTnLst>
-                                    <p:set>
-                                      <p:cBhvr>
-                                        <p:cTn id="61" dur="1" fill="hold">
-                                          <p:stCondLst>
-                                            <p:cond delay="0"/>
-                                          </p:stCondLst>
-                                        </p:cTn>
-                                        <p:tgtEl>
-                                          <p:spTgt spid="25"/>
-                                        </p:tgtEl>
-                                        <p:attrNameLst>
-                                          <p:attrName>style.visibility</p:attrName>
-                                        </p:attrNameLst>
-                                      </p:cBhvr>
-                                      <p:to>
-                                        <p:strVal val="visible"/>
-                                      </p:to>
-                                    </p:set>
-                                    <p:animEffect transition="in" filter="randombar(horizontal)">
-                                      <p:cBhvr>
-                                        <p:cTn id="62" dur="500"/>
-                                        <p:tgtEl>
-                                          <p:spTgt spid="25"/>
-                                        </p:tgtEl>
-                                      </p:cBhvr>
-                                    </p:animEffect>
-                                  </p:childTnLst>
-                                </p:cTn>
-                              </p:par>
-                            </p:childTnLst>
-                          </p:cTn>
-                        </p:par>
-                      </p:childTnLst>
-                    </p:cTn>
-                  </p:par>
-                </p:childTnLst>
-              </p:cTn>
-              <p:prevCondLst>
-                <p:cond evt="onPrev" delay="0">
-                  <p:tgtEl>
-                    <p:sldTgt/>
-                  </p:tgtEl>
-                </p:cond>
-              </p:prevCondLst>
-              <p:nextCondLst>
-                <p:cond evt="onNext" delay="0">
-                  <p:tgtEl>
-                    <p:sldTgt/>
-                  </p:tgtEl>
-                </p:cond>
-              </p:nextCondLst>
-            </p:seq>
-          </p:childTnLst>
-        </p:cTn>
-      </p:par>
-    </p:tnLst>
-    <p:bldLst>
-      <p:bldP spid="8" grpId="0" animBg="1"/>
-      <p:bldP spid="9" grpId="0" animBg="1"/>
-      <p:bldP spid="11" grpId="0" animBg="1"/>
-      <p:bldP spid="12" grpId="0" animBg="1"/>
-      <p:bldP spid="13" grpId="0" animBg="1"/>
-    </p:bldLst>
-  </p:timing>
-</p:sld>
-</file>
-
-<file path=ppt/slides/slide9.xml><?xml version="1.0" encoding="utf-8"?>
-<p:sld xmlns:a="http://schemas.openxmlformats.org/drawingml/2006/main" xmlns:r="http://schemas.openxmlformats.org/officeDocument/2006/relationships" xmlns:p="http://schemas.openxmlformats.org/presentationml/2006/main">
-  <p:cSld>
-    <p:spTree>
-      <p:nvGrpSpPr>
-        <p:cNvPr id="1" name=""/>
-        <p:cNvGrpSpPr/>
-        <p:nvPr/>
-      </p:nvGrpSpPr>
-      <p:grpSpPr>
-        <a:xfrm>
-          <a:off x="0" y="0"/>
-          <a:ext cx="0" cy="0"/>
-          <a:chOff x="0" y="0"/>
-          <a:chExt cx="0" cy="0"/>
-        </a:xfrm>
-      </p:grpSpPr>
-      <p:sp>
-        <p:nvSpPr>
-          <p:cNvPr id="2" name="タイトル 1"/>
-          <p:cNvSpPr>
-            <a:spLocks noGrp="1"/>
-          </p:cNvSpPr>
-          <p:nvPr>
-            <p:ph type="title"/>
-          </p:nvPr>
-        </p:nvSpPr>
         <p:spPr>
           <a:xfrm>
             <a:off x="1335024" y="1819656"/>
@@ -12621,18 +10543,17 @@
           <a:lstStyle/>
           <a:p>
             <a:r>
-              <a:rPr kumimoji="1" lang="ja-JP" altLang="en-US" sz="4800" dirty="0" smtClean="0"/>
+              <a:rPr kumimoji="1" lang="ja-JP" altLang="en-US" sz="4800" dirty="0"/>
               <a:t>ご</a:t>
             </a:r>
             <a:r>
-              <a:rPr kumimoji="1" lang="ja-JP" altLang="en-US" sz="6600" dirty="0" smtClean="0"/>
+              <a:rPr kumimoji="1" lang="ja-JP" altLang="en-US" sz="6600" dirty="0"/>
               <a:t>清聴</a:t>
             </a:r>
             <a:r>
-              <a:rPr kumimoji="1" lang="ja-JP" altLang="en-US" sz="4800" dirty="0" smtClean="0"/>
+              <a:rPr kumimoji="1" lang="ja-JP" altLang="en-US" sz="4800" dirty="0"/>
               <a:t>ありがとうございました</a:t>
             </a:r>
-            <a:endParaRPr kumimoji="1" lang="ja-JP" altLang="en-US" sz="4800" dirty="0"/>
           </a:p>
         </p:txBody>
       </p:sp>
@@ -12646,13 +10567,6 @@
   <p:clrMapOvr>
     <a:masterClrMapping/>
   </p:clrMapOvr>
-  <p:timing>
-    <p:tnLst>
-      <p:par>
-        <p:cTn id="1" dur="indefinite" restart="never" nodeType="tmRoot"/>
-      </p:par>
-    </p:tnLst>
-  </p:timing>
 </p:sld>
 </file>
 
